--- a/images/instruction.pptx
+++ b/images/instruction.pptx
@@ -201,7 +201,7 @@
           <a:p>
             <a:fld id="{9807BA59-79DF-4C86-8F6B-E65F39DFC80E}" type="datetimeFigureOut">
               <a:rPr lang="pl-PL" smtClean="0"/>
-              <a:t>2020-12-01</a:t>
+              <a:t>2021-01-27</a:t>
             </a:fld>
             <a:endParaRPr lang="pl-PL"/>
           </a:p>
@@ -1019,7 +1019,7 @@
           <a:p>
             <a:fld id="{7FE51DD5-D7FC-4BBE-8E49-99897CB74606}" type="datetimeFigureOut">
               <a:rPr lang="pl-PL" smtClean="0"/>
-              <a:t>2020-12-01</a:t>
+              <a:t>2021-01-27</a:t>
             </a:fld>
             <a:endParaRPr lang="pl-PL"/>
           </a:p>
@@ -1189,7 +1189,7 @@
           <a:p>
             <a:fld id="{7FE51DD5-D7FC-4BBE-8E49-99897CB74606}" type="datetimeFigureOut">
               <a:rPr lang="pl-PL" smtClean="0"/>
-              <a:t>2020-12-01</a:t>
+              <a:t>2021-01-27</a:t>
             </a:fld>
             <a:endParaRPr lang="pl-PL"/>
           </a:p>
@@ -1369,7 +1369,7 @@
           <a:p>
             <a:fld id="{7FE51DD5-D7FC-4BBE-8E49-99897CB74606}" type="datetimeFigureOut">
               <a:rPr lang="pl-PL" smtClean="0"/>
-              <a:t>2020-12-01</a:t>
+              <a:t>2021-01-27</a:t>
             </a:fld>
             <a:endParaRPr lang="pl-PL"/>
           </a:p>
@@ -1539,7 +1539,7 @@
           <a:p>
             <a:fld id="{7FE51DD5-D7FC-4BBE-8E49-99897CB74606}" type="datetimeFigureOut">
               <a:rPr lang="pl-PL" smtClean="0"/>
-              <a:t>2020-12-01</a:t>
+              <a:t>2021-01-27</a:t>
             </a:fld>
             <a:endParaRPr lang="pl-PL"/>
           </a:p>
@@ -1785,7 +1785,7 @@
           <a:p>
             <a:fld id="{7FE51DD5-D7FC-4BBE-8E49-99897CB74606}" type="datetimeFigureOut">
               <a:rPr lang="pl-PL" smtClean="0"/>
-              <a:t>2020-12-01</a:t>
+              <a:t>2021-01-27</a:t>
             </a:fld>
             <a:endParaRPr lang="pl-PL"/>
           </a:p>
@@ -2017,7 +2017,7 @@
           <a:p>
             <a:fld id="{7FE51DD5-D7FC-4BBE-8E49-99897CB74606}" type="datetimeFigureOut">
               <a:rPr lang="pl-PL" smtClean="0"/>
-              <a:t>2020-12-01</a:t>
+              <a:t>2021-01-27</a:t>
             </a:fld>
             <a:endParaRPr lang="pl-PL"/>
           </a:p>
@@ -2384,7 +2384,7 @@
           <a:p>
             <a:fld id="{7FE51DD5-D7FC-4BBE-8E49-99897CB74606}" type="datetimeFigureOut">
               <a:rPr lang="pl-PL" smtClean="0"/>
-              <a:t>2020-12-01</a:t>
+              <a:t>2021-01-27</a:t>
             </a:fld>
             <a:endParaRPr lang="pl-PL"/>
           </a:p>
@@ -2502,7 +2502,7 @@
           <a:p>
             <a:fld id="{7FE51DD5-D7FC-4BBE-8E49-99897CB74606}" type="datetimeFigureOut">
               <a:rPr lang="pl-PL" smtClean="0"/>
-              <a:t>2020-12-01</a:t>
+              <a:t>2021-01-27</a:t>
             </a:fld>
             <a:endParaRPr lang="pl-PL"/>
           </a:p>
@@ -2597,7 +2597,7 @@
           <a:p>
             <a:fld id="{7FE51DD5-D7FC-4BBE-8E49-99897CB74606}" type="datetimeFigureOut">
               <a:rPr lang="pl-PL" smtClean="0"/>
-              <a:t>2020-12-01</a:t>
+              <a:t>2021-01-27</a:t>
             </a:fld>
             <a:endParaRPr lang="pl-PL"/>
           </a:p>
@@ -2874,7 +2874,7 @@
           <a:p>
             <a:fld id="{7FE51DD5-D7FC-4BBE-8E49-99897CB74606}" type="datetimeFigureOut">
               <a:rPr lang="pl-PL" smtClean="0"/>
-              <a:t>2020-12-01</a:t>
+              <a:t>2021-01-27</a:t>
             </a:fld>
             <a:endParaRPr lang="pl-PL"/>
           </a:p>
@@ -3131,7 +3131,7 @@
           <a:p>
             <a:fld id="{7FE51DD5-D7FC-4BBE-8E49-99897CB74606}" type="datetimeFigureOut">
               <a:rPr lang="pl-PL" smtClean="0"/>
-              <a:t>2020-12-01</a:t>
+              <a:t>2021-01-27</a:t>
             </a:fld>
             <a:endParaRPr lang="pl-PL"/>
           </a:p>
@@ -3344,7 +3344,7 @@
           <a:p>
             <a:fld id="{7FE51DD5-D7FC-4BBE-8E49-99897CB74606}" type="datetimeFigureOut">
               <a:rPr lang="pl-PL" smtClean="0"/>
-              <a:t>2020-12-01</a:t>
+              <a:t>2021-01-27</a:t>
             </a:fld>
             <a:endParaRPr lang="pl-PL"/>
           </a:p>
@@ -4782,7 +4782,7 @@
         </p:nvSpPr>
         <p:spPr>
           <a:xfrm>
-            <a:off x="4616761" y="3300561"/>
+            <a:off x="4982521" y="3007953"/>
             <a:ext cx="14526590" cy="7848302"/>
           </a:xfrm>
           <a:prstGeom prst="rect">

--- a/images/instruction.pptx
+++ b/images/instruction.pptx
@@ -9,9 +9,9 @@
   </p:notesMasterIdLst>
   <p:sldIdLst>
     <p:sldId id="256" r:id="rId2"/>
-    <p:sldId id="263" r:id="rId3"/>
+    <p:sldId id="267" r:id="rId3"/>
     <p:sldId id="257" r:id="rId4"/>
-    <p:sldId id="265" r:id="rId5"/>
+    <p:sldId id="268" r:id="rId5"/>
     <p:sldId id="262" r:id="rId6"/>
   </p:sldIdLst>
   <p:sldSz cx="23760113" cy="13679488"/>
@@ -201,7 +201,7 @@
           <a:p>
             <a:fld id="{9807BA59-79DF-4C86-8F6B-E65F39DFC80E}" type="datetimeFigureOut">
               <a:rPr lang="pl-PL" smtClean="0"/>
-              <a:t>2021-01-27</a:t>
+              <a:t>2021-01-28</a:t>
             </a:fld>
             <a:endParaRPr lang="pl-PL"/>
           </a:p>
@@ -626,7 +626,7 @@
     </p:spTree>
     <p:extLst>
       <p:ext uri="{BB962C8B-B14F-4D97-AF65-F5344CB8AC3E}">
-        <p14:creationId xmlns:p14="http://schemas.microsoft.com/office/powerpoint/2010/main" val="3122487522"/>
+        <p14:creationId xmlns:p14="http://schemas.microsoft.com/office/powerpoint/2010/main" val="372666840"/>
       </p:ext>
     </p:extLst>
   </p:cSld>
@@ -794,7 +794,7 @@
     </p:spTree>
     <p:extLst>
       <p:ext uri="{BB962C8B-B14F-4D97-AF65-F5344CB8AC3E}">
-        <p14:creationId xmlns:p14="http://schemas.microsoft.com/office/powerpoint/2010/main" val="3311689396"/>
+        <p14:creationId xmlns:p14="http://schemas.microsoft.com/office/powerpoint/2010/main" val="3630891391"/>
       </p:ext>
     </p:extLst>
   </p:cSld>
@@ -1019,7 +1019,7 @@
           <a:p>
             <a:fld id="{7FE51DD5-D7FC-4BBE-8E49-99897CB74606}" type="datetimeFigureOut">
               <a:rPr lang="pl-PL" smtClean="0"/>
-              <a:t>2021-01-27</a:t>
+              <a:t>2021-01-28</a:t>
             </a:fld>
             <a:endParaRPr lang="pl-PL"/>
           </a:p>
@@ -1189,7 +1189,7 @@
           <a:p>
             <a:fld id="{7FE51DD5-D7FC-4BBE-8E49-99897CB74606}" type="datetimeFigureOut">
               <a:rPr lang="pl-PL" smtClean="0"/>
-              <a:t>2021-01-27</a:t>
+              <a:t>2021-01-28</a:t>
             </a:fld>
             <a:endParaRPr lang="pl-PL"/>
           </a:p>
@@ -1369,7 +1369,7 @@
           <a:p>
             <a:fld id="{7FE51DD5-D7FC-4BBE-8E49-99897CB74606}" type="datetimeFigureOut">
               <a:rPr lang="pl-PL" smtClean="0"/>
-              <a:t>2021-01-27</a:t>
+              <a:t>2021-01-28</a:t>
             </a:fld>
             <a:endParaRPr lang="pl-PL"/>
           </a:p>
@@ -1539,7 +1539,7 @@
           <a:p>
             <a:fld id="{7FE51DD5-D7FC-4BBE-8E49-99897CB74606}" type="datetimeFigureOut">
               <a:rPr lang="pl-PL" smtClean="0"/>
-              <a:t>2021-01-27</a:t>
+              <a:t>2021-01-28</a:t>
             </a:fld>
             <a:endParaRPr lang="pl-PL"/>
           </a:p>
@@ -1785,7 +1785,7 @@
           <a:p>
             <a:fld id="{7FE51DD5-D7FC-4BBE-8E49-99897CB74606}" type="datetimeFigureOut">
               <a:rPr lang="pl-PL" smtClean="0"/>
-              <a:t>2021-01-27</a:t>
+              <a:t>2021-01-28</a:t>
             </a:fld>
             <a:endParaRPr lang="pl-PL"/>
           </a:p>
@@ -2017,7 +2017,7 @@
           <a:p>
             <a:fld id="{7FE51DD5-D7FC-4BBE-8E49-99897CB74606}" type="datetimeFigureOut">
               <a:rPr lang="pl-PL" smtClean="0"/>
-              <a:t>2021-01-27</a:t>
+              <a:t>2021-01-28</a:t>
             </a:fld>
             <a:endParaRPr lang="pl-PL"/>
           </a:p>
@@ -2384,7 +2384,7 @@
           <a:p>
             <a:fld id="{7FE51DD5-D7FC-4BBE-8E49-99897CB74606}" type="datetimeFigureOut">
               <a:rPr lang="pl-PL" smtClean="0"/>
-              <a:t>2021-01-27</a:t>
+              <a:t>2021-01-28</a:t>
             </a:fld>
             <a:endParaRPr lang="pl-PL"/>
           </a:p>
@@ -2502,7 +2502,7 @@
           <a:p>
             <a:fld id="{7FE51DD5-D7FC-4BBE-8E49-99897CB74606}" type="datetimeFigureOut">
               <a:rPr lang="pl-PL" smtClean="0"/>
-              <a:t>2021-01-27</a:t>
+              <a:t>2021-01-28</a:t>
             </a:fld>
             <a:endParaRPr lang="pl-PL"/>
           </a:p>
@@ -2597,7 +2597,7 @@
           <a:p>
             <a:fld id="{7FE51DD5-D7FC-4BBE-8E49-99897CB74606}" type="datetimeFigureOut">
               <a:rPr lang="pl-PL" smtClean="0"/>
-              <a:t>2021-01-27</a:t>
+              <a:t>2021-01-28</a:t>
             </a:fld>
             <a:endParaRPr lang="pl-PL"/>
           </a:p>
@@ -2874,7 +2874,7 @@
           <a:p>
             <a:fld id="{7FE51DD5-D7FC-4BBE-8E49-99897CB74606}" type="datetimeFigureOut">
               <a:rPr lang="pl-PL" smtClean="0"/>
-              <a:t>2021-01-27</a:t>
+              <a:t>2021-01-28</a:t>
             </a:fld>
             <a:endParaRPr lang="pl-PL"/>
           </a:p>
@@ -3131,7 +3131,7 @@
           <a:p>
             <a:fld id="{7FE51DD5-D7FC-4BBE-8E49-99897CB74606}" type="datetimeFigureOut">
               <a:rPr lang="pl-PL" smtClean="0"/>
-              <a:t>2021-01-27</a:t>
+              <a:t>2021-01-28</a:t>
             </a:fld>
             <a:endParaRPr lang="pl-PL"/>
           </a:p>
@@ -3344,7 +3344,7 @@
           <a:p>
             <a:fld id="{7FE51DD5-D7FC-4BBE-8E49-99897CB74606}" type="datetimeFigureOut">
               <a:rPr lang="pl-PL" smtClean="0"/>
-              <a:t>2021-01-27</a:t>
+              <a:t>2021-01-28</a:t>
             </a:fld>
             <a:endParaRPr lang="pl-PL"/>
           </a:p>
@@ -3771,8 +3771,8 @@
         </p:nvSpPr>
         <p:spPr>
           <a:xfrm>
-            <a:off x="4985517" y="3011217"/>
-            <a:ext cx="14526590" cy="7294305"/>
+            <a:off x="6373592" y="2309410"/>
+            <a:ext cx="14526590" cy="9264075"/>
           </a:xfrm>
           <a:prstGeom prst="rect">
             <a:avLst/>
@@ -3787,6 +3787,77 @@
           <a:p>
             <a:pPr algn="just"/>
             <a:r>
+              <a:rPr lang="pl-PL" sz="2800" dirty="0"/>
+              <a:t>In </a:t>
+            </a:r>
+            <a:r>
+              <a:rPr lang="pl-PL" sz="2800" dirty="0" err="1"/>
+              <a:t>this</a:t>
+            </a:r>
+            <a:r>
+              <a:rPr lang="pl-PL" sz="2800" dirty="0"/>
+              <a:t> test </a:t>
+            </a:r>
+            <a:r>
+              <a:rPr lang="pl-PL" sz="2800" dirty="0" err="1"/>
+              <a:t>you</a:t>
+            </a:r>
+            <a:r>
+              <a:rPr lang="pl-PL" sz="2800" dirty="0"/>
+              <a:t> </a:t>
+            </a:r>
+            <a:r>
+              <a:rPr lang="pl-PL" sz="2800" dirty="0" err="1"/>
+              <a:t>will</a:t>
+            </a:r>
+            <a:r>
+              <a:rPr lang="pl-PL" sz="2800" dirty="0"/>
+              <a:t> </a:t>
+            </a:r>
+            <a:r>
+              <a:rPr lang="pl-PL" sz="2800" dirty="0" err="1"/>
+              <a:t>see</a:t>
+            </a:r>
+            <a:r>
+              <a:rPr lang="pl-PL" sz="2800" dirty="0"/>
+              <a:t> </a:t>
+            </a:r>
+            <a:r>
+              <a:rPr lang="pl-PL" sz="2800" dirty="0" err="1"/>
+              <a:t>two</a:t>
+            </a:r>
+            <a:r>
+              <a:rPr lang="pl-PL" sz="2800" dirty="0"/>
+              <a:t> </a:t>
+            </a:r>
+            <a:r>
+              <a:rPr lang="pl-PL" sz="2800" dirty="0" err="1"/>
+              <a:t>sets</a:t>
+            </a:r>
+            <a:r>
+              <a:rPr lang="pl-PL" sz="2800" dirty="0"/>
+              <a:t> of </a:t>
+            </a:r>
+            <a:r>
+              <a:rPr lang="pl-PL" sz="2800" dirty="0" err="1"/>
+              <a:t>circles</a:t>
+            </a:r>
+            <a:r>
+              <a:rPr lang="pl-PL" sz="2800" dirty="0"/>
+              <a:t> and </a:t>
+            </a:r>
+            <a:r>
+              <a:rPr lang="pl-PL" sz="2800" dirty="0" err="1"/>
+              <a:t>arrows</a:t>
+            </a:r>
+            <a:r>
+              <a:rPr lang="pl-PL" sz="2800" dirty="0"/>
+              <a:t>.</a:t>
+            </a:r>
+          </a:p>
+          <a:p>
+            <a:pPr algn="just"/>
+            <a:r>
               <a:rPr lang="en-US" sz="2800" dirty="0"/>
               <a:t>On the left</a:t>
             </a:r>
@@ -3824,7 +3895,15 @@
             </a:r>
             <a:r>
               <a:rPr lang="en-US" sz="2800" dirty="0"/>
-              <a:t>circles connected with arrows in some specific way. On the right</a:t>
+              <a:t>circles connected with arrows in some specific way. </a:t>
+            </a:r>
+            <a:endParaRPr lang="pl-PL" sz="2800" dirty="0"/>
+          </a:p>
+          <a:p>
+            <a:pPr algn="just"/>
+            <a:r>
+              <a:rPr lang="en-US" sz="2800" dirty="0"/>
+              <a:t>On the right</a:t>
             </a:r>
             <a:r>
               <a:rPr lang="pl-PL" sz="2800" dirty="0"/>
@@ -3860,15 +3939,26 @@
             </a:r>
             <a:r>
               <a:rPr lang="pl-PL" sz="2800" dirty="0"/>
-              <a:t> but </a:t>
-            </a:r>
-            <a:r>
-              <a:rPr lang="pl-PL" sz="2800" dirty="0" err="1"/>
-              <a:t>unfortunately</a:t>
-            </a:r>
-            <a:r>
-              <a:rPr lang="pl-PL" sz="2800" dirty="0"/>
-              <a:t> </a:t>
+              <a:t>. </a:t>
+            </a:r>
+          </a:p>
+          <a:p>
+            <a:pPr algn="just"/>
+            <a:r>
+              <a:rPr lang="pl-PL" sz="2800" dirty="0" err="1"/>
+              <a:t>However</a:t>
+            </a:r>
+            <a:r>
+              <a:rPr lang="pl-PL" sz="2800" dirty="0"/>
+              <a:t>, on the </a:t>
+            </a:r>
+            <a:r>
+              <a:rPr lang="pl-PL" sz="2800" dirty="0" err="1"/>
+              <a:t>right</a:t>
+            </a:r>
+            <a:r>
+              <a:rPr lang="pl-PL" sz="2800" dirty="0"/>
+              <a:t>, </a:t>
             </a:r>
             <a:r>
               <a:rPr lang="en-US" sz="2800" dirty="0"/>
@@ -3884,7 +3974,7 @@
             </a:r>
             <a:r>
               <a:rPr lang="en-US" sz="2800" dirty="0"/>
-              <a:t> has changed the location</a:t>
+              <a:t> changed the location</a:t>
             </a:r>
             <a:r>
               <a:rPr lang="pl-PL" sz="2800" dirty="0"/>
@@ -3900,23 +3990,19 @@
             </a:r>
             <a:r>
               <a:rPr lang="en-US" sz="2800" dirty="0"/>
-              <a:t>particular circles</a:t>
-            </a:r>
-            <a:r>
-              <a:rPr lang="pl-PL" sz="2800" dirty="0"/>
-              <a:t> in </a:t>
-            </a:r>
-            <a:r>
-              <a:rPr lang="pl-PL" sz="2800" dirty="0" err="1"/>
-              <a:t>this</a:t>
-            </a:r>
-            <a:r>
-              <a:rPr lang="pl-PL" sz="2800" dirty="0"/>
-              <a:t> set, and</a:t>
+              <a:t>circles</a:t>
+            </a:r>
+            <a:endParaRPr lang="pl-PL" sz="2800" dirty="0"/>
+          </a:p>
+          <a:p>
+            <a:pPr algn="just"/>
+            <a:r>
+              <a:rPr lang="pl-PL" sz="2800" dirty="0"/>
+              <a:t>and </a:t>
             </a:r>
             <a:r>
               <a:rPr lang="en-US" sz="2800" dirty="0"/>
-              <a:t> the arrows followed </a:t>
+              <a:t>the arrows followed </a:t>
             </a:r>
             <a:r>
               <a:rPr lang="en-US" sz="2800" dirty="0" err="1"/>
@@ -3963,7 +4049,7 @@
             </a:r>
             <a:r>
               <a:rPr lang="en-US" sz="2800" dirty="0"/>
-              <a:t>yellow, and one is</a:t>
+              <a:t>yellow and one is</a:t>
             </a:r>
             <a:r>
               <a:rPr lang="pl-PL" sz="2800" dirty="0"/>
@@ -3971,8 +4057,12 @@
             </a:r>
             <a:r>
               <a:rPr lang="en-US" sz="2800" dirty="0"/>
-              <a:t>blue. </a:t>
-            </a:r>
+              <a:t>blue.</a:t>
+            </a:r>
+            <a:endParaRPr lang="pl-PL" sz="2800" dirty="0"/>
+          </a:p>
+          <a:p>
+            <a:pPr algn="just"/>
             <a:r>
               <a:rPr lang="pl-PL" sz="2800" dirty="0"/>
               <a:t>The </a:t>
@@ -4025,6 +4115,9 @@
               <a:rPr lang="pl-PL" sz="2800" dirty="0"/>
               <a:t>. </a:t>
             </a:r>
+          </a:p>
+          <a:p>
+            <a:pPr algn="just"/>
             <a:r>
               <a:rPr lang="en-US" sz="2800" dirty="0"/>
               <a:t>Your task is to </a:t>
@@ -4069,34 +4162,41 @@
               <a:rPr lang="pl-PL" sz="2800" dirty="0"/>
               <a:t> set.</a:t>
             </a:r>
-            <a:endParaRPr lang="en-US" sz="2800" dirty="0"/>
           </a:p>
           <a:p>
             <a:pPr algn="just"/>
-            <a:endParaRPr lang="pl-PL" sz="3600" dirty="0"/>
+            <a:endParaRPr lang="pl-PL" sz="2800" dirty="0"/>
           </a:p>
           <a:p>
             <a:pPr algn="just"/>
-            <a:endParaRPr lang="pl-PL" sz="3600" dirty="0"/>
+            <a:endParaRPr lang="pl-PL" sz="2800" dirty="0"/>
           </a:p>
           <a:p>
             <a:pPr algn="just"/>
-            <a:endParaRPr lang="pl-PL" sz="3600" dirty="0"/>
+            <a:endParaRPr lang="pl-PL" sz="2800" dirty="0"/>
           </a:p>
           <a:p>
             <a:pPr algn="just"/>
-            <a:endParaRPr lang="pl-PL" sz="3600" dirty="0"/>
+            <a:endParaRPr lang="pl-PL" sz="2800" dirty="0"/>
           </a:p>
           <a:p>
             <a:pPr algn="just"/>
-            <a:endParaRPr lang="en-US" sz="3600" dirty="0"/>
+            <a:endParaRPr lang="pl-PL" sz="2800" dirty="0"/>
           </a:p>
           <a:p>
             <a:pPr algn="just"/>
-            <a:endParaRPr lang="en-US" sz="2800" dirty="0"/>
-          </a:p>
-          <a:p>
-            <a:pPr lvl="4" algn="just"/>
+            <a:endParaRPr lang="pl-PL" sz="2800" dirty="0"/>
+          </a:p>
+          <a:p>
+            <a:pPr algn="just"/>
+            <a:endParaRPr lang="pl-PL" sz="2800" dirty="0"/>
+          </a:p>
+          <a:p>
+            <a:pPr algn="just"/>
+            <a:endParaRPr lang="pl-PL" sz="2800" dirty="0"/>
+          </a:p>
+          <a:p>
+            <a:pPr algn="just"/>
             <a:r>
               <a:rPr lang="pl-PL" sz="2800" dirty="0" err="1"/>
               <a:t>Now</a:t>
@@ -4155,7 +4255,11 @@
             </a:r>
           </a:p>
           <a:p>
-            <a:pPr lvl="4" algn="just"/>
+            <a:pPr algn="just"/>
+            <a:endParaRPr lang="pl-PL" sz="2800" dirty="0"/>
+          </a:p>
+          <a:p>
+            <a:pPr algn="just"/>
             <a:r>
               <a:rPr lang="pl-PL" sz="2800" dirty="0"/>
               <a:t>Press SPACE to </a:t>
@@ -4202,8 +4306,8 @@
         </p:nvGrpSpPr>
         <p:grpSpPr>
           <a:xfrm>
-            <a:off x="5846050" y="7138257"/>
-            <a:ext cx="4299284" cy="684000"/>
+            <a:off x="6675493" y="7426943"/>
+            <a:ext cx="3327954" cy="529465"/>
             <a:chOff x="5396844" y="5235388"/>
             <a:chExt cx="4299284" cy="684000"/>
           </a:xfrm>
@@ -4469,8 +4573,8 @@
         </p:nvGrpSpPr>
         <p:grpSpPr>
           <a:xfrm>
-            <a:off x="13844047" y="6454257"/>
-            <a:ext cx="2402878" cy="2017881"/>
+            <a:off x="13000991" y="6910683"/>
+            <a:ext cx="1859998" cy="1561983"/>
             <a:chOff x="14238901" y="4551388"/>
             <a:chExt cx="2402878" cy="2017881"/>
           </a:xfrm>
@@ -4768,528 +4872,12 @@
           <a:chExt cx="0" cy="0"/>
         </a:xfrm>
       </p:grpSpPr>
-      <p:sp>
-        <p:nvSpPr>
-          <p:cNvPr id="77" name="pole tekstowe 76">
+      <p:grpSp>
+        <p:nvGrpSpPr>
+          <p:cNvPr id="2" name="Grupa 1">
             <a:extLst>
               <a:ext uri="{FF2B5EF4-FFF2-40B4-BE49-F238E27FC236}">
-                <a16:creationId xmlns:a16="http://schemas.microsoft.com/office/drawing/2014/main" id="{81560841-9946-40EA-9E7F-AC758484C559}"/>
-              </a:ext>
-            </a:extLst>
-          </p:cNvPr>
-          <p:cNvSpPr txBox="1"/>
-          <p:nvPr/>
-        </p:nvSpPr>
-        <p:spPr>
-          <a:xfrm>
-            <a:off x="4982521" y="3007953"/>
-            <a:ext cx="14526590" cy="7848302"/>
-          </a:xfrm>
-          <a:prstGeom prst="rect">
-            <a:avLst/>
-          </a:prstGeom>
-          <a:noFill/>
-        </p:spPr>
-        <p:txBody>
-          <a:bodyPr wrap="square" rtlCol="0">
-            <a:spAutoFit/>
-          </a:bodyPr>
-          <a:lstStyle/>
-          <a:p>
-            <a:pPr algn="just"/>
-            <a:r>
-              <a:rPr lang="en-US" sz="2800" dirty="0"/>
-              <a:t>On the left</a:t>
-            </a:r>
-            <a:r>
-              <a:rPr lang="pl-PL" sz="2800" dirty="0"/>
-              <a:t>,</a:t>
-            </a:r>
-            <a:r>
-              <a:rPr lang="en-US" sz="2800" dirty="0"/>
-              <a:t> </a:t>
-            </a:r>
-            <a:r>
-              <a:rPr lang="en-US" sz="2800" dirty="0" err="1"/>
-              <a:t>ther</a:t>
-            </a:r>
-            <a:r>
-              <a:rPr lang="pl-PL" sz="2800" dirty="0"/>
-              <a:t>e </a:t>
-            </a:r>
-            <a:r>
-              <a:rPr lang="pl-PL" sz="2800" dirty="0" err="1"/>
-              <a:t>is</a:t>
-            </a:r>
-            <a:r>
-              <a:rPr lang="pl-PL" sz="2800" dirty="0"/>
-              <a:t> a set</a:t>
-            </a:r>
-            <a:r>
-              <a:rPr lang="en-US" sz="2800" dirty="0"/>
-              <a:t> </a:t>
-            </a:r>
-            <a:r>
-              <a:rPr lang="pl-PL" sz="2800" dirty="0"/>
-              <a:t>of </a:t>
-            </a:r>
-            <a:r>
-              <a:rPr lang="en-US" sz="2800" dirty="0"/>
-              <a:t>circles connected with arrows in some specific way. On the right</a:t>
-            </a:r>
-            <a:r>
-              <a:rPr lang="pl-PL" sz="2800" dirty="0"/>
-              <a:t>,</a:t>
-            </a:r>
-            <a:r>
-              <a:rPr lang="en-US" sz="2800" dirty="0"/>
-              <a:t> there </a:t>
-            </a:r>
-            <a:r>
-              <a:rPr lang="pl-PL" sz="2800" dirty="0" err="1"/>
-              <a:t>is</a:t>
-            </a:r>
-            <a:r>
-              <a:rPr lang="en-US" sz="2800" dirty="0"/>
-              <a:t> </a:t>
-            </a:r>
-            <a:r>
-              <a:rPr lang="en-US" sz="2800" b="1" dirty="0"/>
-              <a:t>the same</a:t>
-            </a:r>
-            <a:r>
-              <a:rPr lang="en-US" sz="2800" dirty="0"/>
-              <a:t> </a:t>
-            </a:r>
-            <a:r>
-              <a:rPr lang="pl-PL" sz="2800" dirty="0"/>
-              <a:t>set</a:t>
-            </a:r>
-            <a:r>
-              <a:rPr lang="en-US" sz="2800" dirty="0"/>
-              <a:t> of circles and arrows</a:t>
-            </a:r>
-            <a:r>
-              <a:rPr lang="pl-PL" sz="2800" dirty="0"/>
-              <a:t> but </a:t>
-            </a:r>
-            <a:r>
-              <a:rPr lang="pl-PL" sz="2800" dirty="0" err="1"/>
-              <a:t>unfortunately</a:t>
-            </a:r>
-            <a:r>
-              <a:rPr lang="pl-PL" sz="2800" dirty="0"/>
-              <a:t> </a:t>
-            </a:r>
-            <a:r>
-              <a:rPr lang="en-US" sz="2800" dirty="0"/>
-              <a:t>someone</a:t>
-            </a:r>
-            <a:r>
-              <a:rPr lang="pl-PL" sz="2800" dirty="0"/>
-              <a:t> </a:t>
-            </a:r>
-            <a:r>
-              <a:rPr lang="pl-PL" sz="2800" dirty="0" err="1"/>
-              <a:t>mean</a:t>
-            </a:r>
-            <a:r>
-              <a:rPr lang="en-US" sz="2800" dirty="0"/>
-              <a:t> has changed the location</a:t>
-            </a:r>
-            <a:r>
-              <a:rPr lang="pl-PL" sz="2800" dirty="0"/>
-              <a:t>s</a:t>
-            </a:r>
-            <a:r>
-              <a:rPr lang="en-US" sz="2800" dirty="0"/>
-              <a:t> of </a:t>
-            </a:r>
-            <a:r>
-              <a:rPr lang="pl-PL" sz="2800" dirty="0"/>
-              <a:t>the </a:t>
-            </a:r>
-            <a:r>
-              <a:rPr lang="en-US" sz="2800" dirty="0"/>
-              <a:t>particular circles</a:t>
-            </a:r>
-            <a:r>
-              <a:rPr lang="pl-PL" sz="2800" dirty="0"/>
-              <a:t> in </a:t>
-            </a:r>
-            <a:r>
-              <a:rPr lang="pl-PL" sz="2800" dirty="0" err="1"/>
-              <a:t>this</a:t>
-            </a:r>
-            <a:r>
-              <a:rPr lang="pl-PL" sz="2800" dirty="0"/>
-              <a:t> set, and</a:t>
-            </a:r>
-            <a:r>
-              <a:rPr lang="en-US" sz="2800" dirty="0"/>
-              <a:t> the arrows followed </a:t>
-            </a:r>
-            <a:r>
-              <a:rPr lang="en-US" sz="2800" dirty="0" err="1"/>
-              <a:t>th</a:t>
-            </a:r>
-            <a:r>
-              <a:rPr lang="pl-PL" sz="2800" dirty="0" err="1"/>
-              <a:t>ese</a:t>
-            </a:r>
-            <a:r>
-              <a:rPr lang="en-US" sz="2800" dirty="0"/>
-              <a:t> changes.</a:t>
-            </a:r>
-          </a:p>
-          <a:p>
-            <a:pPr algn="just"/>
-            <a:endParaRPr lang="en-US" sz="2800" dirty="0"/>
-          </a:p>
-          <a:p>
-            <a:pPr algn="just"/>
-            <a:r>
-              <a:rPr lang="en-US" sz="2800" dirty="0"/>
-              <a:t>One circle </a:t>
-            </a:r>
-            <a:r>
-              <a:rPr lang="pl-PL" sz="2800" dirty="0"/>
-              <a:t>in</a:t>
-            </a:r>
-            <a:r>
-              <a:rPr lang="en-US" sz="2800" dirty="0"/>
-              <a:t> the left </a:t>
-            </a:r>
-            <a:r>
-              <a:rPr lang="pl-PL" sz="2800" dirty="0"/>
-              <a:t>set </a:t>
-            </a:r>
-            <a:r>
-              <a:rPr lang="pl-PL" sz="2800" dirty="0" err="1"/>
-              <a:t>is</a:t>
-            </a:r>
-            <a:r>
-              <a:rPr lang="pl-PL" sz="2800" dirty="0"/>
-              <a:t> </a:t>
-            </a:r>
-            <a:r>
-              <a:rPr lang="en-US" sz="2800" dirty="0"/>
-              <a:t>yellow, and one is</a:t>
-            </a:r>
-            <a:r>
-              <a:rPr lang="pl-PL" sz="2800" dirty="0"/>
-              <a:t> </a:t>
-            </a:r>
-            <a:r>
-              <a:rPr lang="en-US" sz="2800" dirty="0"/>
-              <a:t>blue. </a:t>
-            </a:r>
-            <a:r>
-              <a:rPr lang="pl-PL" sz="2800" dirty="0"/>
-              <a:t>The </a:t>
-            </a:r>
-            <a:r>
-              <a:rPr lang="pl-PL" sz="2800" dirty="0" err="1"/>
-              <a:t>corresponding</a:t>
-            </a:r>
-            <a:r>
-              <a:rPr lang="pl-PL" sz="2800" dirty="0"/>
-              <a:t> </a:t>
-            </a:r>
-            <a:r>
-              <a:rPr lang="pl-PL" sz="2800" dirty="0" err="1"/>
-              <a:t>circles</a:t>
-            </a:r>
-            <a:r>
-              <a:rPr lang="pl-PL" sz="2800" dirty="0"/>
-              <a:t> in the </a:t>
-            </a:r>
-            <a:r>
-              <a:rPr lang="pl-PL" sz="2800" dirty="0" err="1"/>
-              <a:t>right</a:t>
-            </a:r>
-            <a:r>
-              <a:rPr lang="pl-PL" sz="2800" dirty="0"/>
-              <a:t> set </a:t>
-            </a:r>
-            <a:r>
-              <a:rPr lang="pl-PL" sz="2800" dirty="0" err="1"/>
-              <a:t>are</a:t>
-            </a:r>
-            <a:r>
-              <a:rPr lang="pl-PL" sz="2800" dirty="0"/>
-              <a:t>, </a:t>
-            </a:r>
-            <a:r>
-              <a:rPr lang="pl-PL" sz="2800" dirty="0" err="1"/>
-              <a:t>however</a:t>
-            </a:r>
-            <a:r>
-              <a:rPr lang="pl-PL" sz="2800" dirty="0"/>
-              <a:t>, </a:t>
-            </a:r>
-            <a:r>
-              <a:rPr lang="pl-PL" sz="2800" dirty="0" err="1"/>
-              <a:t>black</a:t>
-            </a:r>
-            <a:r>
-              <a:rPr lang="pl-PL" sz="2800" dirty="0"/>
-              <a:t>. </a:t>
-            </a:r>
-            <a:r>
-              <a:rPr lang="en-US" sz="2800" dirty="0"/>
-              <a:t>Your task is to </a:t>
-            </a:r>
-            <a:r>
-              <a:rPr lang="pl-PL" sz="2800" dirty="0"/>
-              <a:t>point</a:t>
-            </a:r>
-            <a:r>
-              <a:rPr lang="en-US" sz="2800" dirty="0"/>
-              <a:t> the </a:t>
-            </a:r>
-            <a:r>
-              <a:rPr lang="pl-PL" sz="2800" dirty="0" err="1"/>
-              <a:t>yellow</a:t>
-            </a:r>
-            <a:r>
-              <a:rPr lang="pl-PL" sz="2800" dirty="0"/>
-              <a:t> and the </a:t>
-            </a:r>
-            <a:r>
-              <a:rPr lang="pl-PL" sz="2800" dirty="0" err="1"/>
-              <a:t>blue</a:t>
-            </a:r>
-            <a:r>
-              <a:rPr lang="pl-PL" sz="2800" dirty="0"/>
-              <a:t> </a:t>
-            </a:r>
-            <a:r>
-              <a:rPr lang="en-US" sz="2800" dirty="0"/>
-              <a:t>circle </a:t>
-            </a:r>
-            <a:r>
-              <a:rPr lang="pl-PL" sz="2800" dirty="0"/>
-              <a:t>in</a:t>
-            </a:r>
-            <a:r>
-              <a:rPr lang="en-US" sz="2800" dirty="0"/>
-              <a:t> the right</a:t>
-            </a:r>
-            <a:r>
-              <a:rPr lang="pl-PL" sz="2800" dirty="0"/>
-              <a:t> set.</a:t>
-            </a:r>
-            <a:endParaRPr lang="en-US" sz="2800" dirty="0"/>
-          </a:p>
-          <a:p>
-            <a:pPr algn="just"/>
-            <a:endParaRPr lang="pl-PL" sz="2800" dirty="0"/>
-          </a:p>
-          <a:p>
-            <a:pPr algn="just"/>
-            <a:endParaRPr lang="pl-PL" sz="2800" dirty="0"/>
-          </a:p>
-          <a:p>
-            <a:pPr algn="just"/>
-            <a:endParaRPr lang="pl-PL" sz="2800" dirty="0"/>
-          </a:p>
-          <a:p>
-            <a:pPr algn="just"/>
-            <a:endParaRPr lang="pl-PL" sz="2800" dirty="0"/>
-          </a:p>
-          <a:p>
-            <a:pPr algn="just"/>
-            <a:endParaRPr lang="pl-PL" sz="2800" dirty="0"/>
-          </a:p>
-          <a:p>
-            <a:pPr algn="just"/>
-            <a:endParaRPr lang="pl-PL" sz="2800" dirty="0"/>
-          </a:p>
-          <a:p>
-            <a:pPr algn="just"/>
-            <a:endParaRPr lang="pl-PL" sz="2800" dirty="0"/>
-          </a:p>
-          <a:p>
-            <a:pPr algn="just"/>
-            <a:endParaRPr lang="pl-PL" sz="2800" dirty="0"/>
-          </a:p>
-          <a:p>
-            <a:pPr algn="just"/>
-            <a:r>
-              <a:rPr lang="pl-PL" sz="2800" dirty="0" err="1"/>
-              <a:t>Notice</a:t>
-            </a:r>
-            <a:r>
-              <a:rPr lang="pl-PL" sz="2800" dirty="0"/>
-              <a:t>, </a:t>
-            </a:r>
-            <a:r>
-              <a:rPr lang="pl-PL" sz="2800" dirty="0" err="1"/>
-              <a:t>that</a:t>
-            </a:r>
-            <a:r>
-              <a:rPr lang="pl-PL" sz="2800" dirty="0"/>
-              <a:t> </a:t>
-            </a:r>
-            <a:r>
-              <a:rPr lang="pl-PL" sz="2800" dirty="0" err="1"/>
-              <a:t>both</a:t>
-            </a:r>
-            <a:r>
-              <a:rPr lang="pl-PL" sz="2800" dirty="0"/>
-              <a:t> in the </a:t>
-            </a:r>
-            <a:r>
-              <a:rPr lang="pl-PL" sz="2800" dirty="0" err="1"/>
-              <a:t>left</a:t>
-            </a:r>
-            <a:r>
-              <a:rPr lang="pl-PL" sz="2800" dirty="0"/>
-              <a:t> and the </a:t>
-            </a:r>
-            <a:r>
-              <a:rPr lang="pl-PL" sz="2800" dirty="0" err="1"/>
-              <a:t>right</a:t>
-            </a:r>
-            <a:r>
-              <a:rPr lang="pl-PL" sz="2800" dirty="0"/>
-              <a:t> set, the </a:t>
-            </a:r>
-            <a:r>
-              <a:rPr lang="pl-PL" sz="2800" dirty="0" err="1"/>
-              <a:t>blue</a:t>
-            </a:r>
-            <a:r>
-              <a:rPr lang="pl-PL" sz="2800" dirty="0"/>
-              <a:t> </a:t>
-            </a:r>
-            <a:r>
-              <a:rPr lang="pl-PL" sz="2800" dirty="0" err="1"/>
-              <a:t>circle</a:t>
-            </a:r>
-            <a:r>
-              <a:rPr lang="pl-PL" sz="2800" dirty="0"/>
-              <a:t> </a:t>
-            </a:r>
-            <a:r>
-              <a:rPr lang="pl-PL" sz="2800" dirty="0" err="1"/>
-              <a:t>has</a:t>
-            </a:r>
-            <a:r>
-              <a:rPr lang="pl-PL" sz="2800" dirty="0"/>
-              <a:t> one </a:t>
-            </a:r>
-            <a:r>
-              <a:rPr lang="pl-PL" sz="2800" dirty="0" err="1"/>
-              <a:t>incoming</a:t>
-            </a:r>
-            <a:r>
-              <a:rPr lang="pl-PL" sz="2800" dirty="0"/>
-              <a:t> </a:t>
-            </a:r>
-            <a:r>
-              <a:rPr lang="pl-PL" sz="2800" dirty="0" err="1"/>
-              <a:t>arrow</a:t>
-            </a:r>
-            <a:r>
-              <a:rPr lang="pl-PL" sz="2800" dirty="0"/>
-              <a:t>, </a:t>
-            </a:r>
-            <a:r>
-              <a:rPr lang="pl-PL" sz="2800" dirty="0" err="1"/>
-              <a:t>while</a:t>
-            </a:r>
-            <a:r>
-              <a:rPr lang="pl-PL" sz="2800" dirty="0"/>
-              <a:t> the </a:t>
-            </a:r>
-            <a:r>
-              <a:rPr lang="pl-PL" sz="2800" dirty="0" err="1"/>
-              <a:t>yellow</a:t>
-            </a:r>
-            <a:r>
-              <a:rPr lang="pl-PL" sz="2800" dirty="0"/>
-              <a:t> </a:t>
-            </a:r>
-            <a:r>
-              <a:rPr lang="pl-PL" sz="2800" dirty="0" err="1"/>
-              <a:t>circle</a:t>
-            </a:r>
-            <a:r>
-              <a:rPr lang="pl-PL" sz="2800" dirty="0"/>
-              <a:t> </a:t>
-            </a:r>
-            <a:r>
-              <a:rPr lang="pl-PL" sz="2800" dirty="0" err="1"/>
-              <a:t>has</a:t>
-            </a:r>
-            <a:r>
-              <a:rPr lang="pl-PL" sz="2800" dirty="0"/>
-              <a:t> one </a:t>
-            </a:r>
-            <a:r>
-              <a:rPr lang="pl-PL" sz="2800" dirty="0" err="1"/>
-              <a:t>incoming</a:t>
-            </a:r>
-            <a:r>
-              <a:rPr lang="pl-PL" sz="2800" dirty="0"/>
-              <a:t> and one </a:t>
-            </a:r>
-            <a:r>
-              <a:rPr lang="pl-PL" sz="2800" dirty="0" err="1"/>
-              <a:t>outgoing</a:t>
-            </a:r>
-            <a:r>
-              <a:rPr lang="pl-PL" sz="2800" dirty="0"/>
-              <a:t> </a:t>
-            </a:r>
-            <a:r>
-              <a:rPr lang="pl-PL" sz="2800" dirty="0" err="1"/>
-              <a:t>arrow</a:t>
-            </a:r>
-            <a:endParaRPr lang="pl-PL" sz="2800" dirty="0"/>
-          </a:p>
-          <a:p>
-            <a:pPr algn="ctr"/>
-            <a:r>
-              <a:rPr lang="pl-PL" sz="2800" dirty="0"/>
-              <a:t>Press SPACE to </a:t>
-            </a:r>
-            <a:r>
-              <a:rPr lang="pl-PL" sz="2800" dirty="0" err="1"/>
-              <a:t>see</a:t>
-            </a:r>
-            <a:r>
-              <a:rPr lang="pl-PL" sz="2800" dirty="0"/>
-              <a:t> the </a:t>
-            </a:r>
-            <a:r>
-              <a:rPr lang="pl-PL" sz="2800" dirty="0" err="1"/>
-              <a:t>next</a:t>
-            </a:r>
-            <a:r>
-              <a:rPr lang="pl-PL" sz="2800" dirty="0"/>
-              <a:t> </a:t>
-            </a:r>
-            <a:r>
-              <a:rPr lang="pl-PL" sz="2800" dirty="0" err="1"/>
-              <a:t>example</a:t>
-            </a:r>
-            <a:endParaRPr lang="en-US" sz="2800" dirty="0"/>
-          </a:p>
-          <a:p>
-            <a:pPr algn="just"/>
-            <a:endParaRPr lang="pl-PL" sz="2800" b="1" dirty="0"/>
-          </a:p>
-        </p:txBody>
-      </p:sp>
-      <p:grpSp>
-        <p:nvGrpSpPr>
-          <p:cNvPr id="23" name="Grupa 22">
-            <a:extLst>
-              <a:ext uri="{FF2B5EF4-FFF2-40B4-BE49-F238E27FC236}">
-                <a16:creationId xmlns:a16="http://schemas.microsoft.com/office/drawing/2014/main" id="{C5A87D98-D69F-4367-AAEA-518FC14E3AE9}"/>
+                <a16:creationId xmlns:a16="http://schemas.microsoft.com/office/drawing/2014/main" id="{772C98F3-8221-4ECC-A26E-7DC5282D13DA}"/>
               </a:ext>
             </a:extLst>
           </p:cNvPr>
@@ -5298,538 +4886,823 @@
         </p:nvGrpSpPr>
         <p:grpSpPr>
           <a:xfrm>
-            <a:off x="5846050" y="7138257"/>
-            <a:ext cx="4299284" cy="684000"/>
-            <a:chOff x="5396844" y="5235388"/>
-            <a:chExt cx="4299284" cy="684000"/>
+            <a:off x="6368840" y="2636078"/>
+            <a:ext cx="14526590" cy="8833187"/>
+            <a:chOff x="4985517" y="3011217"/>
+            <a:chExt cx="14526590" cy="8833187"/>
           </a:xfrm>
         </p:grpSpPr>
         <p:sp>
           <p:nvSpPr>
-            <p:cNvPr id="4" name="Owal 3">
+            <p:cNvPr id="77" name="pole tekstowe 76">
               <a:extLst>
                 <a:ext uri="{FF2B5EF4-FFF2-40B4-BE49-F238E27FC236}">
-                  <a16:creationId xmlns:a16="http://schemas.microsoft.com/office/drawing/2014/main" id="{13DBCEBF-C86B-45B7-8F76-C8EBD0CA87BE}"/>
+                  <a16:creationId xmlns:a16="http://schemas.microsoft.com/office/drawing/2014/main" id="{81560841-9946-40EA-9E7F-AC758484C559}"/>
                 </a:ext>
               </a:extLst>
             </p:cNvPr>
-            <p:cNvSpPr/>
+            <p:cNvSpPr txBox="1"/>
             <p:nvPr/>
           </p:nvSpPr>
           <p:spPr>
             <a:xfrm>
-              <a:off x="9012128" y="5235388"/>
-              <a:ext cx="684000" cy="684000"/>
+              <a:off x="4985517" y="3011217"/>
+              <a:ext cx="14526590" cy="8833187"/>
             </a:xfrm>
-            <a:prstGeom prst="ellipse">
+            <a:prstGeom prst="rect">
               <a:avLst/>
             </a:prstGeom>
-            <a:solidFill>
-              <a:srgbClr val="0070C0"/>
-            </a:solidFill>
-            <a:ln>
-              <a:noFill/>
-            </a:ln>
+            <a:noFill/>
           </p:spPr>
-          <p:style>
-            <a:lnRef idx="2">
-              <a:schemeClr val="accent1">
-                <a:shade val="50000"/>
-              </a:schemeClr>
-            </a:lnRef>
-            <a:fillRef idx="1">
-              <a:schemeClr val="accent1"/>
-            </a:fillRef>
-            <a:effectRef idx="0">
-              <a:schemeClr val="accent1"/>
-            </a:effectRef>
-            <a:fontRef idx="minor">
-              <a:schemeClr val="lt1"/>
-            </a:fontRef>
-          </p:style>
           <p:txBody>
-            <a:bodyPr rtlCol="0" anchor="ctr"/>
+            <a:bodyPr wrap="square" rtlCol="0">
+              <a:spAutoFit/>
+            </a:bodyPr>
             <a:lstStyle/>
             <a:p>
-              <a:pPr algn="ctr"/>
-              <a:endParaRPr lang="pl-PL"/>
+              <a:pPr algn="just"/>
+              <a:endParaRPr lang="pl-PL" sz="2800" dirty="0"/>
+            </a:p>
+            <a:p>
+              <a:pPr algn="just"/>
+              <a:endParaRPr lang="pl-PL" sz="2800" dirty="0"/>
+            </a:p>
+            <a:p>
+              <a:pPr algn="just"/>
+              <a:endParaRPr lang="pl-PL" sz="2800" dirty="0"/>
+            </a:p>
+            <a:p>
+              <a:pPr algn="just"/>
+              <a:endParaRPr lang="pl-PL" sz="2800" dirty="0"/>
+            </a:p>
+            <a:p>
+              <a:pPr algn="just"/>
+              <a:endParaRPr lang="pl-PL" sz="2800" dirty="0"/>
+            </a:p>
+            <a:p>
+              <a:pPr algn="just"/>
+              <a:endParaRPr lang="pl-PL" sz="2800" dirty="0"/>
+            </a:p>
+            <a:p>
+              <a:pPr algn="just"/>
+              <a:endParaRPr lang="pl-PL" sz="2800" dirty="0"/>
+            </a:p>
+            <a:p>
+              <a:pPr algn="just"/>
+              <a:endParaRPr lang="pl-PL" sz="2800" dirty="0"/>
+            </a:p>
+            <a:p>
+              <a:pPr algn="just"/>
+              <a:endParaRPr lang="pl-PL" sz="2800" dirty="0"/>
+            </a:p>
+            <a:p>
+              <a:pPr algn="just"/>
+              <a:endParaRPr lang="pl-PL" sz="2800" dirty="0"/>
+            </a:p>
+            <a:p>
+              <a:pPr algn="just"/>
+              <a:endParaRPr lang="pl-PL" sz="2800" dirty="0"/>
+            </a:p>
+            <a:p>
+              <a:pPr algn="just"/>
+              <a:endParaRPr lang="pl-PL" sz="2800" dirty="0"/>
+            </a:p>
+            <a:p>
+              <a:pPr algn="just"/>
+              <a:endParaRPr lang="pl-PL" sz="2800" dirty="0"/>
+            </a:p>
+            <a:p>
+              <a:pPr algn="just"/>
+              <a:endParaRPr lang="pl-PL" sz="2800" dirty="0"/>
+            </a:p>
+            <a:p>
+              <a:pPr algn="just"/>
+              <a:endParaRPr lang="pl-PL" sz="2800" dirty="0"/>
+            </a:p>
+            <a:p>
+              <a:pPr algn="just"/>
+              <a:r>
+                <a:rPr lang="pl-PL" sz="2800" dirty="0" err="1"/>
+                <a:t>Notice</a:t>
+              </a:r>
+              <a:r>
+                <a:rPr lang="pl-PL" sz="2800" dirty="0"/>
+                <a:t> </a:t>
+              </a:r>
+              <a:r>
+                <a:rPr lang="pl-PL" sz="2800" dirty="0" err="1"/>
+                <a:t>that</a:t>
+              </a:r>
+              <a:r>
+                <a:rPr lang="pl-PL" sz="2800" dirty="0"/>
+                <a:t> </a:t>
+              </a:r>
+              <a:r>
+                <a:rPr lang="pl-PL" sz="2800" dirty="0" err="1"/>
+                <a:t>both</a:t>
+              </a:r>
+              <a:r>
+                <a:rPr lang="pl-PL" sz="2800" dirty="0"/>
+                <a:t> in the </a:t>
+              </a:r>
+              <a:r>
+                <a:rPr lang="pl-PL" sz="2800" dirty="0" err="1"/>
+                <a:t>left</a:t>
+              </a:r>
+              <a:r>
+                <a:rPr lang="pl-PL" sz="2800" dirty="0"/>
+                <a:t> and the </a:t>
+              </a:r>
+              <a:r>
+                <a:rPr lang="pl-PL" sz="2800" dirty="0" err="1"/>
+                <a:t>right</a:t>
+              </a:r>
+              <a:r>
+                <a:rPr lang="pl-PL" sz="2800" dirty="0"/>
+                <a:t> set the </a:t>
+              </a:r>
+              <a:r>
+                <a:rPr lang="pl-PL" sz="2800" dirty="0" err="1"/>
+                <a:t>blue</a:t>
+              </a:r>
+              <a:r>
+                <a:rPr lang="pl-PL" sz="2800" dirty="0"/>
+                <a:t> </a:t>
+              </a:r>
+              <a:r>
+                <a:rPr lang="pl-PL" sz="2800" dirty="0" err="1"/>
+                <a:t>circle</a:t>
+              </a:r>
+              <a:r>
+                <a:rPr lang="pl-PL" sz="2800" dirty="0"/>
+                <a:t> </a:t>
+              </a:r>
+              <a:r>
+                <a:rPr lang="pl-PL" sz="2800" dirty="0" err="1"/>
+                <a:t>has</a:t>
+              </a:r>
+              <a:r>
+                <a:rPr lang="pl-PL" sz="2800" dirty="0"/>
+                <a:t> one </a:t>
+              </a:r>
+              <a:r>
+                <a:rPr lang="pl-PL" sz="2800" dirty="0" err="1"/>
+                <a:t>incoming</a:t>
+              </a:r>
+              <a:r>
+                <a:rPr lang="pl-PL" sz="2800" dirty="0"/>
+                <a:t> </a:t>
+              </a:r>
+              <a:r>
+                <a:rPr lang="pl-PL" sz="2800" dirty="0" err="1"/>
+                <a:t>arrow</a:t>
+              </a:r>
+              <a:r>
+                <a:rPr lang="pl-PL" sz="2800" dirty="0"/>
+                <a:t>, </a:t>
+              </a:r>
+            </a:p>
+            <a:p>
+              <a:pPr algn="just"/>
+              <a:r>
+                <a:rPr lang="pl-PL" sz="2800" dirty="0" err="1"/>
+                <a:t>while</a:t>
+              </a:r>
+              <a:r>
+                <a:rPr lang="pl-PL" sz="2800" dirty="0"/>
+                <a:t> the </a:t>
+              </a:r>
+              <a:r>
+                <a:rPr lang="pl-PL" sz="2800" dirty="0" err="1"/>
+                <a:t>yellow</a:t>
+              </a:r>
+              <a:r>
+                <a:rPr lang="pl-PL" sz="2800" dirty="0"/>
+                <a:t> </a:t>
+              </a:r>
+              <a:r>
+                <a:rPr lang="pl-PL" sz="2800" dirty="0" err="1"/>
+                <a:t>circle</a:t>
+              </a:r>
+              <a:r>
+                <a:rPr lang="pl-PL" sz="2800" dirty="0"/>
+                <a:t> </a:t>
+              </a:r>
+              <a:r>
+                <a:rPr lang="pl-PL" sz="2800" dirty="0" err="1"/>
+                <a:t>has</a:t>
+              </a:r>
+              <a:r>
+                <a:rPr lang="pl-PL" sz="2800" dirty="0"/>
+                <a:t> one </a:t>
+              </a:r>
+              <a:r>
+                <a:rPr lang="pl-PL" sz="2800" dirty="0" err="1"/>
+                <a:t>incoming</a:t>
+              </a:r>
+              <a:r>
+                <a:rPr lang="pl-PL" sz="2800" dirty="0"/>
+                <a:t> and one </a:t>
+              </a:r>
+              <a:r>
+                <a:rPr lang="pl-PL" sz="2800" dirty="0" err="1"/>
+                <a:t>outgoing</a:t>
+              </a:r>
+              <a:r>
+                <a:rPr lang="pl-PL" sz="2800" dirty="0"/>
+                <a:t> </a:t>
+              </a:r>
+              <a:r>
+                <a:rPr lang="pl-PL" sz="2800" dirty="0" err="1"/>
+                <a:t>arrow</a:t>
+              </a:r>
+              <a:endParaRPr lang="pl-PL" sz="2800" dirty="0"/>
+            </a:p>
+            <a:p>
+              <a:pPr algn="just"/>
+              <a:endParaRPr lang="pl-PL" sz="2800" dirty="0"/>
+            </a:p>
+            <a:p>
+              <a:pPr algn="just"/>
+              <a:r>
+                <a:rPr lang="pl-PL" sz="2800" dirty="0"/>
+                <a:t>Press SPACE to </a:t>
+              </a:r>
+              <a:r>
+                <a:rPr lang="pl-PL" sz="2800" dirty="0" err="1"/>
+                <a:t>see</a:t>
+              </a:r>
+              <a:r>
+                <a:rPr lang="pl-PL" sz="2800" dirty="0"/>
+                <a:t> the </a:t>
+              </a:r>
+              <a:r>
+                <a:rPr lang="pl-PL" sz="2800" dirty="0" err="1"/>
+                <a:t>next</a:t>
+              </a:r>
+              <a:r>
+                <a:rPr lang="pl-PL" sz="2800" dirty="0"/>
+                <a:t> </a:t>
+              </a:r>
+              <a:r>
+                <a:rPr lang="pl-PL" sz="2800" dirty="0" err="1"/>
+                <a:t>example</a:t>
+              </a:r>
+              <a:endParaRPr lang="en-US" sz="2800" dirty="0"/>
+            </a:p>
+            <a:p>
+              <a:pPr algn="just"/>
+              <a:endParaRPr lang="en-US" sz="3600" b="1" dirty="0"/>
             </a:p>
           </p:txBody>
         </p:sp>
-        <p:sp>
-          <p:nvSpPr>
-            <p:cNvPr id="9" name="Owal 8">
+        <p:grpSp>
+          <p:nvGrpSpPr>
+            <p:cNvPr id="23" name="Grupa 22">
               <a:extLst>
                 <a:ext uri="{FF2B5EF4-FFF2-40B4-BE49-F238E27FC236}">
-                  <a16:creationId xmlns:a16="http://schemas.microsoft.com/office/drawing/2014/main" id="{7EB9196C-EF2F-4CF2-A167-99F501A94727}"/>
+                  <a16:creationId xmlns:a16="http://schemas.microsoft.com/office/drawing/2014/main" id="{C5A87D98-D69F-4367-AAEA-518FC14E3AE9}"/>
                 </a:ext>
               </a:extLst>
             </p:cNvPr>
-            <p:cNvSpPr/>
+            <p:cNvGrpSpPr/>
             <p:nvPr/>
-          </p:nvSpPr>
-          <p:spPr>
+          </p:nvGrpSpPr>
+          <p:grpSpPr>
             <a:xfrm>
-              <a:off x="7261271" y="5235388"/>
-              <a:ext cx="684000" cy="684000"/>
+              <a:off x="5292170" y="7799566"/>
+              <a:ext cx="3327954" cy="529465"/>
+              <a:chOff x="5396844" y="5235388"/>
+              <a:chExt cx="4299284" cy="684000"/>
             </a:xfrm>
-            <a:prstGeom prst="ellipse">
-              <a:avLst/>
-            </a:prstGeom>
-            <a:solidFill>
-              <a:srgbClr val="FFFF00"/>
-            </a:solidFill>
-            <a:ln>
-              <a:noFill/>
-            </a:ln>
-          </p:spPr>
-          <p:style>
-            <a:lnRef idx="2">
-              <a:schemeClr val="accent1">
-                <a:shade val="50000"/>
-              </a:schemeClr>
-            </a:lnRef>
-            <a:fillRef idx="1">
-              <a:schemeClr val="accent1"/>
-            </a:fillRef>
-            <a:effectRef idx="0">
-              <a:schemeClr val="accent1"/>
-            </a:effectRef>
-            <a:fontRef idx="minor">
-              <a:schemeClr val="lt1"/>
-            </a:fontRef>
-          </p:style>
-          <p:txBody>
-            <a:bodyPr rtlCol="0" anchor="ctr"/>
-            <a:lstStyle/>
-            <a:p>
-              <a:pPr algn="ctr"/>
-              <a:endParaRPr lang="pl-PL"/>
-            </a:p>
-          </p:txBody>
-        </p:sp>
-        <p:sp>
-          <p:nvSpPr>
-            <p:cNvPr id="10" name="Owal 9">
+          </p:grpSpPr>
+          <p:sp>
+            <p:nvSpPr>
+              <p:cNvPr id="4" name="Owal 3">
+                <a:extLst>
+                  <a:ext uri="{FF2B5EF4-FFF2-40B4-BE49-F238E27FC236}">
+                    <a16:creationId xmlns:a16="http://schemas.microsoft.com/office/drawing/2014/main" id="{13DBCEBF-C86B-45B7-8F76-C8EBD0CA87BE}"/>
+                  </a:ext>
+                </a:extLst>
+              </p:cNvPr>
+              <p:cNvSpPr/>
+              <p:nvPr/>
+            </p:nvSpPr>
+            <p:spPr>
+              <a:xfrm>
+                <a:off x="9012128" y="5235388"/>
+                <a:ext cx="684000" cy="684000"/>
+              </a:xfrm>
+              <a:prstGeom prst="ellipse">
+                <a:avLst/>
+              </a:prstGeom>
+              <a:solidFill>
+                <a:srgbClr val="0070C0"/>
+              </a:solidFill>
+              <a:ln>
+                <a:noFill/>
+              </a:ln>
+            </p:spPr>
+            <p:style>
+              <a:lnRef idx="2">
+                <a:schemeClr val="accent1">
+                  <a:shade val="50000"/>
+                </a:schemeClr>
+              </a:lnRef>
+              <a:fillRef idx="1">
+                <a:schemeClr val="accent1"/>
+              </a:fillRef>
+              <a:effectRef idx="0">
+                <a:schemeClr val="accent1"/>
+              </a:effectRef>
+              <a:fontRef idx="minor">
+                <a:schemeClr val="lt1"/>
+              </a:fontRef>
+            </p:style>
+            <p:txBody>
+              <a:bodyPr rtlCol="0" anchor="ctr"/>
+              <a:lstStyle/>
+              <a:p>
+                <a:pPr algn="ctr"/>
+                <a:endParaRPr lang="pl-PL"/>
+              </a:p>
+            </p:txBody>
+          </p:sp>
+          <p:sp>
+            <p:nvSpPr>
+              <p:cNvPr id="9" name="Owal 8">
+                <a:extLst>
+                  <a:ext uri="{FF2B5EF4-FFF2-40B4-BE49-F238E27FC236}">
+                    <a16:creationId xmlns:a16="http://schemas.microsoft.com/office/drawing/2014/main" id="{7EB9196C-EF2F-4CF2-A167-99F501A94727}"/>
+                  </a:ext>
+                </a:extLst>
+              </p:cNvPr>
+              <p:cNvSpPr/>
+              <p:nvPr/>
+            </p:nvSpPr>
+            <p:spPr>
+              <a:xfrm>
+                <a:off x="7261271" y="5235388"/>
+                <a:ext cx="684000" cy="684000"/>
+              </a:xfrm>
+              <a:prstGeom prst="ellipse">
+                <a:avLst/>
+              </a:prstGeom>
+              <a:solidFill>
+                <a:srgbClr val="FFFF00"/>
+              </a:solidFill>
+              <a:ln>
+                <a:noFill/>
+              </a:ln>
+            </p:spPr>
+            <p:style>
+              <a:lnRef idx="2">
+                <a:schemeClr val="accent1">
+                  <a:shade val="50000"/>
+                </a:schemeClr>
+              </a:lnRef>
+              <a:fillRef idx="1">
+                <a:schemeClr val="accent1"/>
+              </a:fillRef>
+              <a:effectRef idx="0">
+                <a:schemeClr val="accent1"/>
+              </a:effectRef>
+              <a:fontRef idx="minor">
+                <a:schemeClr val="lt1"/>
+              </a:fontRef>
+            </p:style>
+            <p:txBody>
+              <a:bodyPr rtlCol="0" anchor="ctr"/>
+              <a:lstStyle/>
+              <a:p>
+                <a:pPr algn="ctr"/>
+                <a:endParaRPr lang="pl-PL"/>
+              </a:p>
+            </p:txBody>
+          </p:sp>
+          <p:sp>
+            <p:nvSpPr>
+              <p:cNvPr id="10" name="Owal 9">
+                <a:extLst>
+                  <a:ext uri="{FF2B5EF4-FFF2-40B4-BE49-F238E27FC236}">
+                    <a16:creationId xmlns:a16="http://schemas.microsoft.com/office/drawing/2014/main" id="{3F7B8E07-C366-491C-9BA6-3E882FD0116B}"/>
+                  </a:ext>
+                </a:extLst>
+              </p:cNvPr>
+              <p:cNvSpPr/>
+              <p:nvPr/>
+            </p:nvSpPr>
+            <p:spPr>
+              <a:xfrm>
+                <a:off x="5396844" y="5235388"/>
+                <a:ext cx="684000" cy="684000"/>
+              </a:xfrm>
+              <a:prstGeom prst="ellipse">
+                <a:avLst/>
+              </a:prstGeom>
+              <a:solidFill>
+                <a:schemeClr val="tx1"/>
+              </a:solidFill>
+              <a:ln>
+                <a:noFill/>
+              </a:ln>
+            </p:spPr>
+            <p:style>
+              <a:lnRef idx="2">
+                <a:schemeClr val="accent1">
+                  <a:shade val="50000"/>
+                </a:schemeClr>
+              </a:lnRef>
+              <a:fillRef idx="1">
+                <a:schemeClr val="accent1"/>
+              </a:fillRef>
+              <a:effectRef idx="0">
+                <a:schemeClr val="accent1"/>
+              </a:effectRef>
+              <a:fontRef idx="minor">
+                <a:schemeClr val="lt1"/>
+              </a:fontRef>
+            </p:style>
+            <p:txBody>
+              <a:bodyPr rtlCol="0" anchor="ctr"/>
+              <a:lstStyle/>
+              <a:p>
+                <a:pPr algn="ctr"/>
+                <a:endParaRPr lang="pl-PL"/>
+              </a:p>
+            </p:txBody>
+          </p:sp>
+          <p:cxnSp>
+            <p:nvCxnSpPr>
+              <p:cNvPr id="6" name="Łącznik prosty ze strzałką 5">
+                <a:extLst>
+                  <a:ext uri="{FF2B5EF4-FFF2-40B4-BE49-F238E27FC236}">
+                    <a16:creationId xmlns:a16="http://schemas.microsoft.com/office/drawing/2014/main" id="{71B39097-3F1B-4CB9-8644-657603552559}"/>
+                  </a:ext>
+                </a:extLst>
+              </p:cNvPr>
+              <p:cNvCxnSpPr>
+                <a:cxnSpLocks/>
+              </p:cNvCxnSpPr>
+              <p:nvPr/>
+            </p:nvCxnSpPr>
+            <p:spPr>
+              <a:xfrm>
+                <a:off x="6233913" y="5577388"/>
+                <a:ext cx="900000" cy="0"/>
+              </a:xfrm>
+              <a:prstGeom prst="straightConnector1">
+                <a:avLst/>
+              </a:prstGeom>
+              <a:ln w="38100">
+                <a:solidFill>
+                  <a:schemeClr val="tx1"/>
+                </a:solidFill>
+                <a:headEnd type="none" w="med" len="med"/>
+                <a:tailEnd type="arrow" w="med" len="med"/>
+              </a:ln>
+            </p:spPr>
+            <p:style>
+              <a:lnRef idx="1">
+                <a:schemeClr val="accent1"/>
+              </a:lnRef>
+              <a:fillRef idx="0">
+                <a:schemeClr val="accent1"/>
+              </a:fillRef>
+              <a:effectRef idx="0">
+                <a:schemeClr val="accent1"/>
+              </a:effectRef>
+              <a:fontRef idx="minor">
+                <a:schemeClr val="tx1"/>
+              </a:fontRef>
+            </p:style>
+          </p:cxnSp>
+          <p:cxnSp>
+            <p:nvCxnSpPr>
+              <p:cNvPr id="17" name="Łącznik prosty ze strzałką 16">
+                <a:extLst>
+                  <a:ext uri="{FF2B5EF4-FFF2-40B4-BE49-F238E27FC236}">
+                    <a16:creationId xmlns:a16="http://schemas.microsoft.com/office/drawing/2014/main" id="{0BD3B47F-18F9-434A-8E83-0C22718FC356}"/>
+                  </a:ext>
+                </a:extLst>
+              </p:cNvPr>
+              <p:cNvCxnSpPr>
+                <a:cxnSpLocks/>
+              </p:cNvCxnSpPr>
+              <p:nvPr/>
+            </p:nvCxnSpPr>
+            <p:spPr>
+              <a:xfrm>
+                <a:off x="8035928" y="5577388"/>
+                <a:ext cx="900000" cy="0"/>
+              </a:xfrm>
+              <a:prstGeom prst="straightConnector1">
+                <a:avLst/>
+              </a:prstGeom>
+              <a:ln w="38100">
+                <a:solidFill>
+                  <a:schemeClr val="tx1"/>
+                </a:solidFill>
+                <a:headEnd type="none" w="med" len="med"/>
+                <a:tailEnd type="arrow" w="med" len="med"/>
+              </a:ln>
+            </p:spPr>
+            <p:style>
+              <a:lnRef idx="1">
+                <a:schemeClr val="accent1"/>
+              </a:lnRef>
+              <a:fillRef idx="0">
+                <a:schemeClr val="accent1"/>
+              </a:fillRef>
+              <a:effectRef idx="0">
+                <a:schemeClr val="accent1"/>
+              </a:effectRef>
+              <a:fontRef idx="minor">
+                <a:schemeClr val="tx1"/>
+              </a:fontRef>
+            </p:style>
+          </p:cxnSp>
+        </p:grpSp>
+        <p:grpSp>
+          <p:nvGrpSpPr>
+            <p:cNvPr id="25" name="Grupa 24">
               <a:extLst>
                 <a:ext uri="{FF2B5EF4-FFF2-40B4-BE49-F238E27FC236}">
-                  <a16:creationId xmlns:a16="http://schemas.microsoft.com/office/drawing/2014/main" id="{3F7B8E07-C366-491C-9BA6-3E882FD0116B}"/>
+                  <a16:creationId xmlns:a16="http://schemas.microsoft.com/office/drawing/2014/main" id="{4C0A9692-D0AC-4733-B9C0-29EFBAFDC10D}"/>
                 </a:ext>
               </a:extLst>
             </p:cNvPr>
-            <p:cNvSpPr/>
+            <p:cNvGrpSpPr/>
             <p:nvPr/>
-          </p:nvSpPr>
-          <p:spPr>
+          </p:nvGrpSpPr>
+          <p:grpSpPr>
             <a:xfrm>
-              <a:off x="5396844" y="5235388"/>
-              <a:ext cx="684000" cy="684000"/>
+              <a:off x="11617668" y="7283306"/>
+              <a:ext cx="1859998" cy="1561983"/>
+              <a:chOff x="14238901" y="4551388"/>
+              <a:chExt cx="2402878" cy="2017881"/>
             </a:xfrm>
-            <a:prstGeom prst="ellipse">
-              <a:avLst/>
-            </a:prstGeom>
-            <a:solidFill>
-              <a:schemeClr val="tx1"/>
-            </a:solidFill>
-            <a:ln>
-              <a:noFill/>
-            </a:ln>
-          </p:spPr>
-          <p:style>
-            <a:lnRef idx="2">
-              <a:schemeClr val="accent1">
-                <a:shade val="50000"/>
-              </a:schemeClr>
-            </a:lnRef>
-            <a:fillRef idx="1">
-              <a:schemeClr val="accent1"/>
-            </a:fillRef>
-            <a:effectRef idx="0">
-              <a:schemeClr val="accent1"/>
-            </a:effectRef>
-            <a:fontRef idx="minor">
-              <a:schemeClr val="lt1"/>
-            </a:fontRef>
-          </p:style>
-          <p:txBody>
-            <a:bodyPr rtlCol="0" anchor="ctr"/>
-            <a:lstStyle/>
-            <a:p>
-              <a:pPr algn="ctr"/>
-              <a:endParaRPr lang="pl-PL"/>
-            </a:p>
-          </p:txBody>
-        </p:sp>
-        <p:cxnSp>
-          <p:nvCxnSpPr>
-            <p:cNvPr id="6" name="Łącznik prosty ze strzałką 5">
-              <a:extLst>
-                <a:ext uri="{FF2B5EF4-FFF2-40B4-BE49-F238E27FC236}">
-                  <a16:creationId xmlns:a16="http://schemas.microsoft.com/office/drawing/2014/main" id="{71B39097-3F1B-4CB9-8644-657603552559}"/>
-                </a:ext>
-              </a:extLst>
-            </p:cNvPr>
-            <p:cNvCxnSpPr>
-              <a:cxnSpLocks/>
-            </p:cNvCxnSpPr>
-            <p:nvPr/>
-          </p:nvCxnSpPr>
-          <p:spPr>
-            <a:xfrm>
-              <a:off x="6233913" y="5577388"/>
-              <a:ext cx="900000" cy="0"/>
-            </a:xfrm>
-            <a:prstGeom prst="straightConnector1">
-              <a:avLst/>
-            </a:prstGeom>
-            <a:ln w="38100">
+          </p:grpSpPr>
+          <p:sp>
+            <p:nvSpPr>
+              <p:cNvPr id="11" name="Owal 10">
+                <a:extLst>
+                  <a:ext uri="{FF2B5EF4-FFF2-40B4-BE49-F238E27FC236}">
+                    <a16:creationId xmlns:a16="http://schemas.microsoft.com/office/drawing/2014/main" id="{A0E1EE37-BEE7-4876-9870-B3D9DB334B18}"/>
+                  </a:ext>
+                </a:extLst>
+              </p:cNvPr>
+              <p:cNvSpPr/>
+              <p:nvPr/>
+            </p:nvSpPr>
+            <p:spPr>
+              <a:xfrm>
+                <a:off x="14238901" y="4551388"/>
+                <a:ext cx="684000" cy="684000"/>
+              </a:xfrm>
+              <a:prstGeom prst="ellipse">
+                <a:avLst/>
+              </a:prstGeom>
+              <a:solidFill>
+                <a:srgbClr val="0070C0"/>
+              </a:solidFill>
+              <a:ln>
+                <a:noFill/>
+              </a:ln>
+            </p:spPr>
+            <p:style>
+              <a:lnRef idx="2">
+                <a:schemeClr val="accent1">
+                  <a:shade val="50000"/>
+                </a:schemeClr>
+              </a:lnRef>
+              <a:fillRef idx="1">
+                <a:schemeClr val="accent1"/>
+              </a:fillRef>
+              <a:effectRef idx="0">
+                <a:schemeClr val="accent1"/>
+              </a:effectRef>
+              <a:fontRef idx="minor">
+                <a:schemeClr val="lt1"/>
+              </a:fontRef>
+            </p:style>
+            <p:txBody>
+              <a:bodyPr rtlCol="0" anchor="ctr"/>
+              <a:lstStyle/>
+              <a:p>
+                <a:pPr algn="ctr"/>
+                <a:endParaRPr lang="pl-PL">
+                  <a:highlight>
+                    <a:srgbClr val="000000"/>
+                  </a:highlight>
+                </a:endParaRPr>
+              </a:p>
+            </p:txBody>
+          </p:sp>
+          <p:sp>
+            <p:nvSpPr>
+              <p:cNvPr id="12" name="Owal 11">
+                <a:extLst>
+                  <a:ext uri="{FF2B5EF4-FFF2-40B4-BE49-F238E27FC236}">
+                    <a16:creationId xmlns:a16="http://schemas.microsoft.com/office/drawing/2014/main" id="{BB411EC2-A1C9-427D-98C3-81F4B76FAB99}"/>
+                  </a:ext>
+                </a:extLst>
+              </p:cNvPr>
+              <p:cNvSpPr/>
+              <p:nvPr/>
+            </p:nvSpPr>
+            <p:spPr>
+              <a:xfrm>
+                <a:off x="15957779" y="4557656"/>
+                <a:ext cx="684000" cy="684000"/>
+              </a:xfrm>
+              <a:prstGeom prst="ellipse">
+                <a:avLst/>
+              </a:prstGeom>
+              <a:solidFill>
+                <a:srgbClr val="FFFF00"/>
+              </a:solidFill>
+              <a:ln>
+                <a:noFill/>
+              </a:ln>
+            </p:spPr>
+            <p:style>
+              <a:lnRef idx="2">
+                <a:schemeClr val="accent1">
+                  <a:shade val="50000"/>
+                </a:schemeClr>
+              </a:lnRef>
+              <a:fillRef idx="1">
+                <a:schemeClr val="accent1"/>
+              </a:fillRef>
+              <a:effectRef idx="0">
+                <a:schemeClr val="accent1"/>
+              </a:effectRef>
+              <a:fontRef idx="minor">
+                <a:schemeClr val="lt1"/>
+              </a:fontRef>
+            </p:style>
+            <p:txBody>
+              <a:bodyPr rtlCol="0" anchor="ctr"/>
+              <a:lstStyle/>
+              <a:p>
+                <a:pPr algn="ctr"/>
+                <a:endParaRPr lang="pl-PL" dirty="0">
+                  <a:highlight>
+                    <a:srgbClr val="FFFF00"/>
+                  </a:highlight>
+                </a:endParaRPr>
+              </a:p>
+            </p:txBody>
+          </p:sp>
+          <p:sp>
+            <p:nvSpPr>
+              <p:cNvPr id="13" name="Owal 12">
+                <a:extLst>
+                  <a:ext uri="{FF2B5EF4-FFF2-40B4-BE49-F238E27FC236}">
+                    <a16:creationId xmlns:a16="http://schemas.microsoft.com/office/drawing/2014/main" id="{1408470E-DA0F-4995-A15A-6809185106FB}"/>
+                  </a:ext>
+                </a:extLst>
+              </p:cNvPr>
+              <p:cNvSpPr/>
+              <p:nvPr/>
+            </p:nvSpPr>
+            <p:spPr>
+              <a:xfrm>
+                <a:off x="14269381" y="5885269"/>
+                <a:ext cx="684000" cy="684000"/>
+              </a:xfrm>
+              <a:prstGeom prst="ellipse">
+                <a:avLst/>
+              </a:prstGeom>
               <a:solidFill>
                 <a:schemeClr val="tx1"/>
               </a:solidFill>
-              <a:headEnd type="none" w="med" len="med"/>
-              <a:tailEnd type="arrow" w="med" len="med"/>
-            </a:ln>
-          </p:spPr>
-          <p:style>
-            <a:lnRef idx="1">
-              <a:schemeClr val="accent1"/>
-            </a:lnRef>
-            <a:fillRef idx="0">
-              <a:schemeClr val="accent1"/>
-            </a:fillRef>
-            <a:effectRef idx="0">
-              <a:schemeClr val="accent1"/>
-            </a:effectRef>
-            <a:fontRef idx="minor">
-              <a:schemeClr val="tx1"/>
-            </a:fontRef>
-          </p:style>
-        </p:cxnSp>
-        <p:cxnSp>
-          <p:nvCxnSpPr>
-            <p:cNvPr id="17" name="Łącznik prosty ze strzałką 16">
-              <a:extLst>
-                <a:ext uri="{FF2B5EF4-FFF2-40B4-BE49-F238E27FC236}">
-                  <a16:creationId xmlns:a16="http://schemas.microsoft.com/office/drawing/2014/main" id="{0BD3B47F-18F9-434A-8E83-0C22718FC356}"/>
-                </a:ext>
-              </a:extLst>
-            </p:cNvPr>
-            <p:cNvCxnSpPr>
-              <a:cxnSpLocks/>
-            </p:cNvCxnSpPr>
-            <p:nvPr/>
-          </p:nvCxnSpPr>
-          <p:spPr>
-            <a:xfrm>
-              <a:off x="8035928" y="5577388"/>
-              <a:ext cx="900000" cy="0"/>
-            </a:xfrm>
-            <a:prstGeom prst="straightConnector1">
-              <a:avLst/>
-            </a:prstGeom>
-            <a:ln w="38100">
-              <a:solidFill>
+              <a:ln>
+                <a:noFill/>
+              </a:ln>
+            </p:spPr>
+            <p:style>
+              <a:lnRef idx="2">
+                <a:schemeClr val="accent1">
+                  <a:shade val="50000"/>
+                </a:schemeClr>
+              </a:lnRef>
+              <a:fillRef idx="1">
+                <a:schemeClr val="accent1"/>
+              </a:fillRef>
+              <a:effectRef idx="0">
+                <a:schemeClr val="accent1"/>
+              </a:effectRef>
+              <a:fontRef idx="minor">
+                <a:schemeClr val="lt1"/>
+              </a:fontRef>
+            </p:style>
+            <p:txBody>
+              <a:bodyPr rtlCol="0" anchor="ctr"/>
+              <a:lstStyle/>
+              <a:p>
+                <a:pPr algn="ctr"/>
+                <a:endParaRPr lang="pl-PL"/>
+              </a:p>
+            </p:txBody>
+          </p:sp>
+          <p:cxnSp>
+            <p:nvCxnSpPr>
+              <p:cNvPr id="18" name="Łącznik prosty ze strzałką 17">
+                <a:extLst>
+                  <a:ext uri="{FF2B5EF4-FFF2-40B4-BE49-F238E27FC236}">
+                    <a16:creationId xmlns:a16="http://schemas.microsoft.com/office/drawing/2014/main" id="{57CC5E21-E39F-4EED-9687-31912A11BDEE}"/>
+                  </a:ext>
+                </a:extLst>
+              </p:cNvPr>
+              <p:cNvCxnSpPr>
+                <a:cxnSpLocks/>
+              </p:cNvCxnSpPr>
+              <p:nvPr/>
+            </p:nvCxnSpPr>
+            <p:spPr>
+              <a:xfrm rot="10800000">
+                <a:off x="14984197" y="4938656"/>
+                <a:ext cx="900000" cy="0"/>
+              </a:xfrm>
+              <a:prstGeom prst="straightConnector1">
+                <a:avLst/>
+              </a:prstGeom>
+              <a:ln w="38100">
+                <a:solidFill>
+                  <a:schemeClr val="tx1"/>
+                </a:solidFill>
+                <a:headEnd type="none" w="med" len="med"/>
+                <a:tailEnd type="arrow" w="med" len="med"/>
+              </a:ln>
+            </p:spPr>
+            <p:style>
+              <a:lnRef idx="1">
+                <a:schemeClr val="accent1"/>
+              </a:lnRef>
+              <a:fillRef idx="0">
+                <a:schemeClr val="accent1"/>
+              </a:fillRef>
+              <a:effectRef idx="0">
+                <a:schemeClr val="accent1"/>
+              </a:effectRef>
+              <a:fontRef idx="minor">
                 <a:schemeClr val="tx1"/>
-              </a:solidFill>
-              <a:headEnd type="none" w="med" len="med"/>
-              <a:tailEnd type="arrow" w="med" len="med"/>
-            </a:ln>
-          </p:spPr>
-          <p:style>
-            <a:lnRef idx="1">
-              <a:schemeClr val="accent1"/>
-            </a:lnRef>
-            <a:fillRef idx="0">
-              <a:schemeClr val="accent1"/>
-            </a:fillRef>
-            <a:effectRef idx="0">
-              <a:schemeClr val="accent1"/>
-            </a:effectRef>
-            <a:fontRef idx="minor">
-              <a:schemeClr val="tx1"/>
-            </a:fontRef>
-          </p:style>
-        </p:cxnSp>
-      </p:grpSp>
-      <p:grpSp>
-        <p:nvGrpSpPr>
-          <p:cNvPr id="25" name="Grupa 24">
-            <a:extLst>
-              <a:ext uri="{FF2B5EF4-FFF2-40B4-BE49-F238E27FC236}">
-                <a16:creationId xmlns:a16="http://schemas.microsoft.com/office/drawing/2014/main" id="{4C0A9692-D0AC-4733-B9C0-29EFBAFDC10D}"/>
-              </a:ext>
-            </a:extLst>
-          </p:cNvPr>
-          <p:cNvGrpSpPr/>
-          <p:nvPr/>
-        </p:nvGrpSpPr>
-        <p:grpSpPr>
-          <a:xfrm>
-            <a:off x="13844047" y="6454257"/>
-            <a:ext cx="2402878" cy="2017881"/>
-            <a:chOff x="14238901" y="4551388"/>
-            <a:chExt cx="2402878" cy="2017881"/>
-          </a:xfrm>
-        </p:grpSpPr>
-        <p:sp>
-          <p:nvSpPr>
-            <p:cNvPr id="11" name="Owal 10">
-              <a:extLst>
-                <a:ext uri="{FF2B5EF4-FFF2-40B4-BE49-F238E27FC236}">
-                  <a16:creationId xmlns:a16="http://schemas.microsoft.com/office/drawing/2014/main" id="{A0E1EE37-BEE7-4876-9870-B3D9DB334B18}"/>
-                </a:ext>
-              </a:extLst>
-            </p:cNvPr>
-            <p:cNvSpPr/>
-            <p:nvPr/>
-          </p:nvSpPr>
-          <p:spPr>
-            <a:xfrm>
-              <a:off x="14238901" y="4551388"/>
-              <a:ext cx="684000" cy="684000"/>
-            </a:xfrm>
-            <a:prstGeom prst="ellipse">
-              <a:avLst/>
-            </a:prstGeom>
-            <a:solidFill>
-              <a:srgbClr val="0070C0"/>
-            </a:solidFill>
-            <a:ln>
-              <a:noFill/>
-            </a:ln>
-          </p:spPr>
-          <p:style>
-            <a:lnRef idx="2">
-              <a:schemeClr val="accent1">
-                <a:shade val="50000"/>
-              </a:schemeClr>
-            </a:lnRef>
-            <a:fillRef idx="1">
-              <a:schemeClr val="accent1"/>
-            </a:fillRef>
-            <a:effectRef idx="0">
-              <a:schemeClr val="accent1"/>
-            </a:effectRef>
-            <a:fontRef idx="minor">
-              <a:schemeClr val="lt1"/>
-            </a:fontRef>
-          </p:style>
-          <p:txBody>
-            <a:bodyPr rtlCol="0" anchor="ctr"/>
-            <a:lstStyle/>
-            <a:p>
-              <a:pPr algn="ctr"/>
-              <a:endParaRPr lang="pl-PL">
-                <a:highlight>
-                  <a:srgbClr val="000000"/>
-                </a:highlight>
-              </a:endParaRPr>
-            </a:p>
-          </p:txBody>
-        </p:sp>
-        <p:sp>
-          <p:nvSpPr>
-            <p:cNvPr id="12" name="Owal 11">
-              <a:extLst>
-                <a:ext uri="{FF2B5EF4-FFF2-40B4-BE49-F238E27FC236}">
-                  <a16:creationId xmlns:a16="http://schemas.microsoft.com/office/drawing/2014/main" id="{BB411EC2-A1C9-427D-98C3-81F4B76FAB99}"/>
-                </a:ext>
-              </a:extLst>
-            </p:cNvPr>
-            <p:cNvSpPr/>
-            <p:nvPr/>
-          </p:nvSpPr>
-          <p:spPr>
-            <a:xfrm>
-              <a:off x="15957779" y="4557656"/>
-              <a:ext cx="684000" cy="684000"/>
-            </a:xfrm>
-            <a:prstGeom prst="ellipse">
-              <a:avLst/>
-            </a:prstGeom>
-            <a:solidFill>
-              <a:srgbClr val="FFFF00"/>
-            </a:solidFill>
-            <a:ln>
-              <a:noFill/>
-            </a:ln>
-          </p:spPr>
-          <p:style>
-            <a:lnRef idx="2">
-              <a:schemeClr val="accent1">
-                <a:shade val="50000"/>
-              </a:schemeClr>
-            </a:lnRef>
-            <a:fillRef idx="1">
-              <a:schemeClr val="accent1"/>
-            </a:fillRef>
-            <a:effectRef idx="0">
-              <a:schemeClr val="accent1"/>
-            </a:effectRef>
-            <a:fontRef idx="minor">
-              <a:schemeClr val="lt1"/>
-            </a:fontRef>
-          </p:style>
-          <p:txBody>
-            <a:bodyPr rtlCol="0" anchor="ctr"/>
-            <a:lstStyle/>
-            <a:p>
-              <a:pPr algn="ctr"/>
-              <a:endParaRPr lang="pl-PL">
-                <a:highlight>
-                  <a:srgbClr val="000000"/>
-                </a:highlight>
-              </a:endParaRPr>
-            </a:p>
-          </p:txBody>
-        </p:sp>
-        <p:sp>
-          <p:nvSpPr>
-            <p:cNvPr id="13" name="Owal 12">
-              <a:extLst>
-                <a:ext uri="{FF2B5EF4-FFF2-40B4-BE49-F238E27FC236}">
-                  <a16:creationId xmlns:a16="http://schemas.microsoft.com/office/drawing/2014/main" id="{1408470E-DA0F-4995-A15A-6809185106FB}"/>
-                </a:ext>
-              </a:extLst>
-            </p:cNvPr>
-            <p:cNvSpPr/>
-            <p:nvPr/>
-          </p:nvSpPr>
-          <p:spPr>
-            <a:xfrm>
-              <a:off x="14269381" y="5885269"/>
-              <a:ext cx="684000" cy="684000"/>
-            </a:xfrm>
-            <a:prstGeom prst="ellipse">
-              <a:avLst/>
-            </a:prstGeom>
-            <a:solidFill>
-              <a:schemeClr val="tx1"/>
-            </a:solidFill>
-            <a:ln>
-              <a:noFill/>
-            </a:ln>
-          </p:spPr>
-          <p:style>
-            <a:lnRef idx="2">
-              <a:schemeClr val="accent1">
-                <a:shade val="50000"/>
-              </a:schemeClr>
-            </a:lnRef>
-            <a:fillRef idx="1">
-              <a:schemeClr val="accent1"/>
-            </a:fillRef>
-            <a:effectRef idx="0">
-              <a:schemeClr val="accent1"/>
-            </a:effectRef>
-            <a:fontRef idx="minor">
-              <a:schemeClr val="lt1"/>
-            </a:fontRef>
-          </p:style>
-          <p:txBody>
-            <a:bodyPr rtlCol="0" anchor="ctr"/>
-            <a:lstStyle/>
-            <a:p>
-              <a:pPr algn="ctr"/>
-              <a:endParaRPr lang="pl-PL"/>
-            </a:p>
-          </p:txBody>
-        </p:sp>
-        <p:cxnSp>
-          <p:nvCxnSpPr>
-            <p:cNvPr id="18" name="Łącznik prosty ze strzałką 17">
-              <a:extLst>
-                <a:ext uri="{FF2B5EF4-FFF2-40B4-BE49-F238E27FC236}">
-                  <a16:creationId xmlns:a16="http://schemas.microsoft.com/office/drawing/2014/main" id="{57CC5E21-E39F-4EED-9687-31912A11BDEE}"/>
-                </a:ext>
-              </a:extLst>
-            </p:cNvPr>
-            <p:cNvCxnSpPr>
-              <a:cxnSpLocks/>
-            </p:cNvCxnSpPr>
-            <p:nvPr/>
-          </p:nvCxnSpPr>
-          <p:spPr>
-            <a:xfrm rot="10800000">
-              <a:off x="14984197" y="4938656"/>
-              <a:ext cx="900000" cy="0"/>
-            </a:xfrm>
-            <a:prstGeom prst="straightConnector1">
-              <a:avLst/>
-            </a:prstGeom>
-            <a:ln w="38100">
-              <a:solidFill>
+              </a:fontRef>
+            </p:style>
+          </p:cxnSp>
+          <p:cxnSp>
+            <p:nvCxnSpPr>
+              <p:cNvPr id="19" name="Łącznik prosty ze strzałką 18">
+                <a:extLst>
+                  <a:ext uri="{FF2B5EF4-FFF2-40B4-BE49-F238E27FC236}">
+                    <a16:creationId xmlns:a16="http://schemas.microsoft.com/office/drawing/2014/main" id="{BCF23C8C-D729-4F3C-A8B0-D793075420BD}"/>
+                  </a:ext>
+                </a:extLst>
+              </p:cNvPr>
+              <p:cNvCxnSpPr>
+                <a:cxnSpLocks/>
+              </p:cNvCxnSpPr>
+              <p:nvPr/>
+            </p:nvCxnSpPr>
+            <p:spPr>
+              <a:xfrm flipV="1">
+                <a:off x="15060397" y="5321843"/>
+                <a:ext cx="942968" cy="713197"/>
+              </a:xfrm>
+              <a:prstGeom prst="straightConnector1">
+                <a:avLst/>
+              </a:prstGeom>
+              <a:ln w="38100">
+                <a:solidFill>
+                  <a:schemeClr val="tx1"/>
+                </a:solidFill>
+                <a:headEnd type="none" w="med" len="med"/>
+                <a:tailEnd type="arrow" w="med" len="med"/>
+              </a:ln>
+            </p:spPr>
+            <p:style>
+              <a:lnRef idx="1">
+                <a:schemeClr val="accent1"/>
+              </a:lnRef>
+              <a:fillRef idx="0">
+                <a:schemeClr val="accent1"/>
+              </a:fillRef>
+              <a:effectRef idx="0">
+                <a:schemeClr val="accent1"/>
+              </a:effectRef>
+              <a:fontRef idx="minor">
                 <a:schemeClr val="tx1"/>
-              </a:solidFill>
-              <a:headEnd type="none" w="med" len="med"/>
-              <a:tailEnd type="arrow" w="med" len="med"/>
-            </a:ln>
-          </p:spPr>
-          <p:style>
-            <a:lnRef idx="1">
-              <a:schemeClr val="accent1"/>
-            </a:lnRef>
-            <a:fillRef idx="0">
-              <a:schemeClr val="accent1"/>
-            </a:fillRef>
-            <a:effectRef idx="0">
-              <a:schemeClr val="accent1"/>
-            </a:effectRef>
-            <a:fontRef idx="minor">
-              <a:schemeClr val="tx1"/>
-            </a:fontRef>
-          </p:style>
-        </p:cxnSp>
-        <p:cxnSp>
-          <p:nvCxnSpPr>
-            <p:cNvPr id="19" name="Łącznik prosty ze strzałką 18">
-              <a:extLst>
-                <a:ext uri="{FF2B5EF4-FFF2-40B4-BE49-F238E27FC236}">
-                  <a16:creationId xmlns:a16="http://schemas.microsoft.com/office/drawing/2014/main" id="{BCF23C8C-D729-4F3C-A8B0-D793075420BD}"/>
-                </a:ext>
-              </a:extLst>
-            </p:cNvPr>
-            <p:cNvCxnSpPr>
-              <a:cxnSpLocks/>
-            </p:cNvCxnSpPr>
-            <p:nvPr/>
-          </p:nvCxnSpPr>
-          <p:spPr>
-            <a:xfrm flipV="1">
-              <a:off x="15060397" y="5321843"/>
-              <a:ext cx="942968" cy="713197"/>
-            </a:xfrm>
-            <a:prstGeom prst="straightConnector1">
-              <a:avLst/>
-            </a:prstGeom>
-            <a:ln w="38100">
-              <a:solidFill>
-                <a:schemeClr val="tx1"/>
-              </a:solidFill>
-              <a:headEnd type="none" w="med" len="med"/>
-              <a:tailEnd type="arrow" w="med" len="med"/>
-            </a:ln>
-          </p:spPr>
-          <p:style>
-            <a:lnRef idx="1">
-              <a:schemeClr val="accent1"/>
-            </a:lnRef>
-            <a:fillRef idx="0">
-              <a:schemeClr val="accent1"/>
-            </a:fillRef>
-            <a:effectRef idx="0">
-              <a:schemeClr val="accent1"/>
-            </a:effectRef>
-            <a:fontRef idx="minor">
-              <a:schemeClr val="tx1"/>
-            </a:fontRef>
-          </p:style>
-        </p:cxnSp>
+              </a:fontRef>
+            </p:style>
+          </p:cxnSp>
+        </p:grpSp>
       </p:grpSp>
     </p:spTree>
     <p:extLst>
       <p:ext uri="{BB962C8B-B14F-4D97-AF65-F5344CB8AC3E}">
-        <p14:creationId xmlns:p14="http://schemas.microsoft.com/office/powerpoint/2010/main" val="2961318311"/>
+        <p14:creationId xmlns:p14="http://schemas.microsoft.com/office/powerpoint/2010/main" val="3867886176"/>
       </p:ext>
     </p:extLst>
   </p:cSld>
@@ -5879,7 +5752,7 @@
         <p:spPr>
           <a:xfrm>
             <a:off x="4782549" y="1596264"/>
-            <a:ext cx="15562851" cy="9510296"/>
+            <a:ext cx="15562851" cy="9079409"/>
           </a:xfrm>
           <a:prstGeom prst="rect">
             <a:avLst/>
@@ -5894,32 +5767,30 @@
             <a:endParaRPr lang="pl-PL" sz="2800" dirty="0"/>
           </a:p>
           <a:p>
-            <a:endParaRPr lang="pl-PL" sz="2800" dirty="0"/>
-          </a:p>
-          <a:p>
-            <a:endParaRPr lang="pl-PL" sz="2800" dirty="0"/>
-          </a:p>
-          <a:p>
-            <a:endParaRPr lang="pl-PL" sz="2800" dirty="0"/>
-          </a:p>
-          <a:p>
             <a:r>
               <a:rPr lang="en-US" sz="2800" dirty="0"/>
               <a:t>This example is more difficult.</a:t>
             </a:r>
+            <a:endParaRPr lang="pl-PL" sz="2800" dirty="0"/>
+          </a:p>
+          <a:p>
+            <a:endParaRPr lang="en-US" sz="2800" dirty="0"/>
           </a:p>
           <a:p>
             <a:r>
               <a:rPr lang="en-US" sz="2800" dirty="0"/>
               <a:t>The blue circle has one incoming arrow from a circle which has two outgoing arrows. </a:t>
             </a:r>
+            <a:endParaRPr lang="pl-PL" sz="2800" dirty="0"/>
+          </a:p>
+          <a:p>
             <a:r>
               <a:rPr lang="pl-PL" sz="2800" dirty="0" err="1"/>
               <a:t>Notice</a:t>
             </a:r>
             <a:r>
               <a:rPr lang="pl-PL" sz="2800" dirty="0"/>
-              <a:t>, </a:t>
+              <a:t> </a:t>
             </a:r>
             <a:r>
               <a:rPr lang="pl-PL" sz="2800" dirty="0" err="1"/>
@@ -5931,7 +5802,14 @@
             </a:r>
             <a:r>
               <a:rPr lang="en-US" sz="2800" dirty="0"/>
-              <a:t>the yellow circle has also one incoming arrow, but from a circle that has one outgoing and one incoming arrow</a:t>
+              <a:t>the yellow circle has also one incoming arrow</a:t>
+            </a:r>
+            <a:endParaRPr lang="pl-PL" sz="2800" dirty="0"/>
+          </a:p>
+          <a:p>
+            <a:r>
+              <a:rPr lang="en-US" sz="2800" dirty="0"/>
+              <a:t>but from a circle that has one outgoing and one incoming arrow</a:t>
             </a:r>
             <a:r>
               <a:rPr lang="pl-PL" sz="2800" dirty="0"/>
@@ -5939,7 +5817,14 @@
             </a:r>
             <a:r>
               <a:rPr lang="en-US" sz="2800" dirty="0"/>
-              <a:t> That’s why both</a:t>
+              <a:t> </a:t>
+            </a:r>
+            <a:endParaRPr lang="pl-PL" sz="2800" dirty="0"/>
+          </a:p>
+          <a:p>
+            <a:r>
+              <a:rPr lang="en-US" sz="2800" dirty="0"/>
+              <a:t>That’s why both</a:t>
             </a:r>
             <a:r>
               <a:rPr lang="pl-PL" sz="2800" dirty="0"/>
@@ -6007,7 +5892,7 @@
           <a:p>
             <a:r>
               <a:rPr lang="pl-PL" sz="2800" dirty="0"/>
-              <a:t>							Press SPACE to </a:t>
+              <a:t>							           Press SPACE to </a:t>
             </a:r>
             <a:r>
               <a:rPr lang="pl-PL" sz="2800" dirty="0" err="1"/>
@@ -6062,8 +5947,8 @@
         </p:nvGrpSpPr>
         <p:grpSpPr>
           <a:xfrm>
-            <a:off x="6745605" y="5654785"/>
-            <a:ext cx="2592926" cy="2372492"/>
+            <a:off x="8542412" y="6067903"/>
+            <a:ext cx="1873467" cy="1714197"/>
             <a:chOff x="4438658" y="2280176"/>
             <a:chExt cx="2592926" cy="2372492"/>
           </a:xfrm>
@@ -6426,8 +6311,8 @@
         </p:nvGrpSpPr>
         <p:grpSpPr>
           <a:xfrm rot="5400000">
-            <a:off x="12829993" y="5648259"/>
-            <a:ext cx="2592926" cy="2372492"/>
+            <a:off x="12636933" y="6076013"/>
+            <a:ext cx="1863877" cy="1705422"/>
             <a:chOff x="4438658" y="2280176"/>
             <a:chExt cx="2592926" cy="2372492"/>
           </a:xfrm>
@@ -6829,7 +6714,7 @@
         <p:spPr>
           <a:xfrm>
             <a:off x="4782549" y="1596264"/>
-            <a:ext cx="15562851" cy="8956298"/>
+            <a:ext cx="15562851" cy="9079409"/>
           </a:xfrm>
           <a:prstGeom prst="rect">
             <a:avLst/>
@@ -6844,32 +6729,30 @@
             <a:endParaRPr lang="pl-PL" sz="2800" dirty="0"/>
           </a:p>
           <a:p>
-            <a:endParaRPr lang="pl-PL" sz="2800" dirty="0"/>
-          </a:p>
-          <a:p>
-            <a:endParaRPr lang="pl-PL" sz="2800" dirty="0"/>
-          </a:p>
-          <a:p>
-            <a:endParaRPr lang="pl-PL" sz="2800" dirty="0"/>
-          </a:p>
-          <a:p>
             <a:r>
               <a:rPr lang="en-US" sz="2800" dirty="0"/>
               <a:t>This example is more difficult.</a:t>
             </a:r>
+            <a:endParaRPr lang="pl-PL" sz="2800" dirty="0"/>
+          </a:p>
+          <a:p>
+            <a:endParaRPr lang="en-US" sz="2800" dirty="0"/>
           </a:p>
           <a:p>
             <a:r>
               <a:rPr lang="en-US" sz="2800" dirty="0"/>
               <a:t>The blue circle has one incoming arrow from a circle which has two outgoing arrows. </a:t>
             </a:r>
+            <a:endParaRPr lang="pl-PL" sz="2800" dirty="0"/>
+          </a:p>
+          <a:p>
             <a:r>
               <a:rPr lang="pl-PL" sz="2800" dirty="0" err="1"/>
               <a:t>Notice</a:t>
             </a:r>
             <a:r>
               <a:rPr lang="pl-PL" sz="2800" dirty="0"/>
-              <a:t>, </a:t>
+              <a:t> </a:t>
             </a:r>
             <a:r>
               <a:rPr lang="pl-PL" sz="2800" dirty="0" err="1"/>
@@ -6881,7 +6764,14 @@
             </a:r>
             <a:r>
               <a:rPr lang="en-US" sz="2800" dirty="0"/>
-              <a:t>the yellow circle has also one incoming arrow, but from a circle that has one outgoing and one incoming arrow</a:t>
+              <a:t>the yellow circle has also one incoming arrow</a:t>
+            </a:r>
+            <a:endParaRPr lang="pl-PL" sz="2800" dirty="0"/>
+          </a:p>
+          <a:p>
+            <a:r>
+              <a:rPr lang="en-US" sz="2800" dirty="0"/>
+              <a:t>but from a circle that has one outgoing and one incoming arrow</a:t>
             </a:r>
             <a:r>
               <a:rPr lang="pl-PL" sz="2800" dirty="0"/>
@@ -6889,7 +6779,14 @@
             </a:r>
             <a:r>
               <a:rPr lang="en-US" sz="2800" dirty="0"/>
-              <a:t> That’s why both</a:t>
+              <a:t> </a:t>
+            </a:r>
+            <a:endParaRPr lang="pl-PL" sz="2800" dirty="0"/>
+          </a:p>
+          <a:p>
+            <a:r>
+              <a:rPr lang="en-US" sz="2800" dirty="0"/>
+              <a:t>That’s why both</a:t>
             </a:r>
             <a:r>
               <a:rPr lang="pl-PL" sz="2800" dirty="0"/>
@@ -6957,13 +6854,17 @@
           <a:p>
             <a:r>
               <a:rPr lang="pl-PL" sz="2800" dirty="0"/>
-              <a:t>										Press SPACE to </a:t>
+              <a:t>							           			Press SPACE to </a:t>
             </a:r>
             <a:r>
               <a:rPr lang="pl-PL" sz="2800" dirty="0" err="1"/>
               <a:t>continue</a:t>
             </a:r>
             <a:endParaRPr lang="pl-PL" sz="2800" dirty="0"/>
+          </a:p>
+          <a:p>
+            <a:pPr algn="ctr"/>
+            <a:endParaRPr lang="pl-PL" sz="3600" dirty="0"/>
           </a:p>
           <a:p>
             <a:pPr algn="ctr"/>
@@ -6992,8 +6893,8 @@
         </p:nvGrpSpPr>
         <p:grpSpPr>
           <a:xfrm>
-            <a:off x="6745605" y="5654785"/>
-            <a:ext cx="2592926" cy="2372492"/>
+            <a:off x="8542412" y="6067903"/>
+            <a:ext cx="1873467" cy="1714197"/>
             <a:chOff x="4438658" y="2280176"/>
             <a:chExt cx="2592926" cy="2372492"/>
           </a:xfrm>
@@ -7356,8 +7257,8 @@
         </p:nvGrpSpPr>
         <p:grpSpPr>
           <a:xfrm rot="5400000">
-            <a:off x="12829993" y="5648259"/>
-            <a:ext cx="2592926" cy="2372492"/>
+            <a:off x="12636933" y="6076013"/>
+            <a:ext cx="1863877" cy="1705422"/>
             <a:chOff x="4438658" y="2280176"/>
             <a:chExt cx="2592926" cy="2372492"/>
           </a:xfrm>
@@ -7462,7 +7363,7 @@
             <a:lstStyle/>
             <a:p>
               <a:pPr algn="ctr"/>
-              <a:endParaRPr lang="pl-PL" dirty="0"/>
+              <a:endParaRPr lang="pl-PL"/>
             </a:p>
           </p:txBody>
         </p:sp>
@@ -7709,7 +7610,7 @@
     </p:spTree>
     <p:extLst>
       <p:ext uri="{BB962C8B-B14F-4D97-AF65-F5344CB8AC3E}">
-        <p14:creationId xmlns:p14="http://schemas.microsoft.com/office/powerpoint/2010/main" val="560082157"/>
+        <p14:creationId xmlns:p14="http://schemas.microsoft.com/office/powerpoint/2010/main" val="2356928674"/>
       </p:ext>
     </p:extLst>
   </p:cSld>
@@ -8249,7 +8150,18 @@
             </a:r>
             <a:r>
               <a:rPr lang="pl-PL" sz="2800" dirty="0" err="1"/>
-              <a:t>give</a:t>
+              <a:t>answer</a:t>
+            </a:r>
+            <a:r>
+              <a:rPr lang="pl-PL" sz="2800" dirty="0"/>
+              <a:t>. </a:t>
+            </a:r>
+          </a:p>
+          <a:p>
+            <a:pPr algn="just"/>
+            <a:r>
+              <a:rPr lang="pl-PL" sz="2800" dirty="0" err="1"/>
+              <a:t>When</a:t>
             </a:r>
             <a:r>
               <a:rPr lang="pl-PL" sz="2800" dirty="0"/>
@@ -8257,7 +8169,15 @@
             </a:r>
             <a:r>
               <a:rPr lang="pl-PL" sz="2800" dirty="0" err="1"/>
-              <a:t>an</a:t>
+              <a:t>only</a:t>
+            </a:r>
+            <a:r>
+              <a:rPr lang="pl-PL" sz="2800" dirty="0"/>
+              <a:t> a </a:t>
+            </a:r>
+            <a:r>
+              <a:rPr lang="pl-PL" sz="2800" dirty="0" err="1"/>
+              <a:t>few</a:t>
             </a:r>
             <a:r>
               <a:rPr lang="pl-PL" sz="2800" dirty="0"/>
@@ -8265,18 +8185,7 @@
             </a:r>
             <a:r>
               <a:rPr lang="pl-PL" sz="2800" dirty="0" err="1"/>
-              <a:t>answer</a:t>
-            </a:r>
-            <a:r>
-              <a:rPr lang="pl-PL" sz="2800" dirty="0"/>
-              <a:t>. </a:t>
-            </a:r>
-          </a:p>
-          <a:p>
-            <a:pPr algn="just"/>
-            <a:r>
-              <a:rPr lang="pl-PL" sz="2800" dirty="0" err="1"/>
-              <a:t>When</a:t>
+              <a:t>seconds</a:t>
             </a:r>
             <a:r>
               <a:rPr lang="pl-PL" sz="2800" dirty="0"/>
@@ -8284,7 +8193,7 @@
             </a:r>
             <a:r>
               <a:rPr lang="pl-PL" sz="2800" dirty="0" err="1"/>
-              <a:t>only</a:t>
+              <a:t>are</a:t>
             </a:r>
             <a:r>
               <a:rPr lang="pl-PL" sz="2800" dirty="0"/>
@@ -8292,30 +8201,6 @@
             </a:r>
             <a:r>
               <a:rPr lang="pl-PL" sz="2800" dirty="0" err="1"/>
-              <a:t>few</a:t>
-            </a:r>
-            <a:r>
-              <a:rPr lang="pl-PL" sz="2800" dirty="0"/>
-              <a:t> </a:t>
-            </a:r>
-            <a:r>
-              <a:rPr lang="pl-PL" sz="2800" dirty="0" err="1"/>
-              <a:t>seconds</a:t>
-            </a:r>
-            <a:r>
-              <a:rPr lang="pl-PL" sz="2800" dirty="0"/>
-              <a:t> </a:t>
-            </a:r>
-            <a:r>
-              <a:rPr lang="pl-PL" sz="2800" dirty="0" err="1"/>
-              <a:t>are</a:t>
-            </a:r>
-            <a:r>
-              <a:rPr lang="pl-PL" sz="2800" dirty="0"/>
-              <a:t> </a:t>
-            </a:r>
-            <a:r>
-              <a:rPr lang="pl-PL" sz="2800" dirty="0" err="1"/>
               <a:t>left</a:t>
             </a:r>
             <a:r>
@@ -8324,7 +8209,7 @@
             </a:r>
             <a:r>
               <a:rPr lang="pl-PL" sz="2800" dirty="0" err="1"/>
-              <a:t>watch</a:t>
+              <a:t>clock</a:t>
             </a:r>
             <a:r>
               <a:rPr lang="pl-PL" sz="2800" dirty="0"/>

--- a/images/instruction.pptx
+++ b/images/instruction.pptx
@@ -113,7 +113,18 @@
   </p:defaultTextStyle>
   <p:extLst>
     <p:ext uri="{EFAFB233-063F-42B5-8137-9DF3F51BA10A}">
-      <p15:sldGuideLst xmlns:p15="http://schemas.microsoft.com/office/powerpoint/2012/main"/>
+      <p15:sldGuideLst xmlns:p15="http://schemas.microsoft.com/office/powerpoint/2012/main">
+        <p15:guide id="1" orient="horz" pos="4308" userDrawn="1">
+          <p15:clr>
+            <a:srgbClr val="A4A3A4"/>
+          </p15:clr>
+        </p15:guide>
+        <p15:guide id="2" pos="7483" userDrawn="1">
+          <p15:clr>
+            <a:srgbClr val="A4A3A4"/>
+          </p15:clr>
+        </p15:guide>
+      </p15:sldGuideLst>
     </p:ext>
   </p:extLst>
 </p:presentation>
@@ -201,7 +212,7 @@
           <a:p>
             <a:fld id="{9807BA59-79DF-4C86-8F6B-E65F39DFC80E}" type="datetimeFigureOut">
               <a:rPr lang="pl-PL" smtClean="0"/>
-              <a:t>2021-01-28</a:t>
+              <a:t>2021-04-01</a:t>
             </a:fld>
             <a:endParaRPr lang="pl-PL"/>
           </a:p>
@@ -1019,7 +1030,7 @@
           <a:p>
             <a:fld id="{7FE51DD5-D7FC-4BBE-8E49-99897CB74606}" type="datetimeFigureOut">
               <a:rPr lang="pl-PL" smtClean="0"/>
-              <a:t>2021-01-28</a:t>
+              <a:t>2021-04-01</a:t>
             </a:fld>
             <a:endParaRPr lang="pl-PL"/>
           </a:p>
@@ -1189,7 +1200,7 @@
           <a:p>
             <a:fld id="{7FE51DD5-D7FC-4BBE-8E49-99897CB74606}" type="datetimeFigureOut">
               <a:rPr lang="pl-PL" smtClean="0"/>
-              <a:t>2021-01-28</a:t>
+              <a:t>2021-04-01</a:t>
             </a:fld>
             <a:endParaRPr lang="pl-PL"/>
           </a:p>
@@ -1369,7 +1380,7 @@
           <a:p>
             <a:fld id="{7FE51DD5-D7FC-4BBE-8E49-99897CB74606}" type="datetimeFigureOut">
               <a:rPr lang="pl-PL" smtClean="0"/>
-              <a:t>2021-01-28</a:t>
+              <a:t>2021-04-01</a:t>
             </a:fld>
             <a:endParaRPr lang="pl-PL"/>
           </a:p>
@@ -1539,7 +1550,7 @@
           <a:p>
             <a:fld id="{7FE51DD5-D7FC-4BBE-8E49-99897CB74606}" type="datetimeFigureOut">
               <a:rPr lang="pl-PL" smtClean="0"/>
-              <a:t>2021-01-28</a:t>
+              <a:t>2021-04-01</a:t>
             </a:fld>
             <a:endParaRPr lang="pl-PL"/>
           </a:p>
@@ -1785,7 +1796,7 @@
           <a:p>
             <a:fld id="{7FE51DD5-D7FC-4BBE-8E49-99897CB74606}" type="datetimeFigureOut">
               <a:rPr lang="pl-PL" smtClean="0"/>
-              <a:t>2021-01-28</a:t>
+              <a:t>2021-04-01</a:t>
             </a:fld>
             <a:endParaRPr lang="pl-PL"/>
           </a:p>
@@ -2017,7 +2028,7 @@
           <a:p>
             <a:fld id="{7FE51DD5-D7FC-4BBE-8E49-99897CB74606}" type="datetimeFigureOut">
               <a:rPr lang="pl-PL" smtClean="0"/>
-              <a:t>2021-01-28</a:t>
+              <a:t>2021-04-01</a:t>
             </a:fld>
             <a:endParaRPr lang="pl-PL"/>
           </a:p>
@@ -2384,7 +2395,7 @@
           <a:p>
             <a:fld id="{7FE51DD5-D7FC-4BBE-8E49-99897CB74606}" type="datetimeFigureOut">
               <a:rPr lang="pl-PL" smtClean="0"/>
-              <a:t>2021-01-28</a:t>
+              <a:t>2021-04-01</a:t>
             </a:fld>
             <a:endParaRPr lang="pl-PL"/>
           </a:p>
@@ -2502,7 +2513,7 @@
           <a:p>
             <a:fld id="{7FE51DD5-D7FC-4BBE-8E49-99897CB74606}" type="datetimeFigureOut">
               <a:rPr lang="pl-PL" smtClean="0"/>
-              <a:t>2021-01-28</a:t>
+              <a:t>2021-04-01</a:t>
             </a:fld>
             <a:endParaRPr lang="pl-PL"/>
           </a:p>
@@ -2597,7 +2608,7 @@
           <a:p>
             <a:fld id="{7FE51DD5-D7FC-4BBE-8E49-99897CB74606}" type="datetimeFigureOut">
               <a:rPr lang="pl-PL" smtClean="0"/>
-              <a:t>2021-01-28</a:t>
+              <a:t>2021-04-01</a:t>
             </a:fld>
             <a:endParaRPr lang="pl-PL"/>
           </a:p>
@@ -2874,7 +2885,7 @@
           <a:p>
             <a:fld id="{7FE51DD5-D7FC-4BBE-8E49-99897CB74606}" type="datetimeFigureOut">
               <a:rPr lang="pl-PL" smtClean="0"/>
-              <a:t>2021-01-28</a:t>
+              <a:t>2021-04-01</a:t>
             </a:fld>
             <a:endParaRPr lang="pl-PL"/>
           </a:p>
@@ -3131,7 +3142,7 @@
           <a:p>
             <a:fld id="{7FE51DD5-D7FC-4BBE-8E49-99897CB74606}" type="datetimeFigureOut">
               <a:rPr lang="pl-PL" smtClean="0"/>
-              <a:t>2021-01-28</a:t>
+              <a:t>2021-04-01</a:t>
             </a:fld>
             <a:endParaRPr lang="pl-PL"/>
           </a:p>
@@ -3344,7 +3355,7 @@
           <a:p>
             <a:fld id="{7FE51DD5-D7FC-4BBE-8E49-99897CB74606}" type="datetimeFigureOut">
               <a:rPr lang="pl-PL" smtClean="0"/>
-              <a:t>2021-01-28</a:t>
+              <a:t>2021-04-01</a:t>
             </a:fld>
             <a:endParaRPr lang="pl-PL"/>
           </a:p>
@@ -3771,8 +3782,8 @@
         </p:nvSpPr>
         <p:spPr>
           <a:xfrm>
-            <a:off x="6373592" y="2309410"/>
-            <a:ext cx="14526590" cy="9264075"/>
+            <a:off x="5166584" y="1577890"/>
+            <a:ext cx="14526590" cy="11418510"/>
           </a:xfrm>
           <a:prstGeom prst="rect">
             <a:avLst/>
@@ -3788,7 +3799,7 @@
             <a:pPr algn="just"/>
             <a:r>
               <a:rPr lang="pl-PL" sz="2800" dirty="0"/>
-              <a:t>In </a:t>
+              <a:t>On </a:t>
             </a:r>
             <a:r>
               <a:rPr lang="pl-PL" sz="2800" dirty="0" err="1"/>
@@ -3796,7 +3807,15 @@
             </a:r>
             <a:r>
               <a:rPr lang="pl-PL" sz="2800" dirty="0"/>
-              <a:t> test </a:t>
+              <a:t> </a:t>
+            </a:r>
+            <a:r>
+              <a:rPr lang="pl-PL" sz="2800" dirty="0" err="1"/>
+              <a:t>task</a:t>
+            </a:r>
+            <a:r>
+              <a:rPr lang="pl-PL" sz="2800" dirty="0"/>
+              <a:t>, </a:t>
             </a:r>
             <a:r>
               <a:rPr lang="pl-PL" sz="2800" dirty="0" err="1"/>
@@ -3808,7 +3827,7 @@
             </a:r>
             <a:r>
               <a:rPr lang="pl-PL" sz="2800" dirty="0" err="1"/>
-              <a:t>will</a:t>
+              <a:t>are</a:t>
             </a:r>
             <a:r>
               <a:rPr lang="pl-PL" sz="2800" dirty="0"/>
@@ -3816,6 +3835,14 @@
             </a:r>
             <a:r>
               <a:rPr lang="pl-PL" sz="2800" dirty="0" err="1"/>
+              <a:t>going</a:t>
+            </a:r>
+            <a:r>
+              <a:rPr lang="pl-PL" sz="2800" dirty="0"/>
+              <a:t> to </a:t>
+            </a:r>
+            <a:r>
+              <a:rPr lang="pl-PL" sz="2800" dirty="0" err="1"/>
               <a:t>see</a:t>
             </a:r>
             <a:r>
@@ -3832,7 +3859,7 @@
             </a:r>
             <a:r>
               <a:rPr lang="pl-PL" sz="2800" dirty="0" err="1"/>
-              <a:t>sets</a:t>
+              <a:t>patterns</a:t>
             </a:r>
             <a:r>
               <a:rPr lang="pl-PL" sz="2800" dirty="0"/>
@@ -3867,23 +3894,58 @@
             </a:r>
             <a:r>
               <a:rPr lang="en-US" sz="2800" dirty="0"/>
+              <a:t> the</a:t>
+            </a:r>
+            <a:r>
+              <a:rPr lang="pl-PL" sz="2800" dirty="0"/>
               <a:t> </a:t>
             </a:r>
             <a:r>
-              <a:rPr lang="en-US" sz="2800" dirty="0" err="1"/>
-              <a:t>ther</a:t>
-            </a:r>
-            <a:r>
-              <a:rPr lang="pl-PL" sz="2800" dirty="0"/>
-              <a:t>e </a:t>
-            </a:r>
-            <a:r>
-              <a:rPr lang="pl-PL" sz="2800" dirty="0" err="1"/>
-              <a:t>is</a:t>
-            </a:r>
-            <a:r>
-              <a:rPr lang="pl-PL" sz="2800" dirty="0"/>
-              <a:t> a set</a:t>
+              <a:rPr lang="en-US" sz="2800" dirty="0"/>
+              <a:t>circles </a:t>
+            </a:r>
+            <a:r>
+              <a:rPr lang="pl-PL" sz="2800" dirty="0" err="1"/>
+              <a:t>are</a:t>
+            </a:r>
+            <a:r>
+              <a:rPr lang="pl-PL" sz="2800" dirty="0"/>
+              <a:t> </a:t>
+            </a:r>
+            <a:r>
+              <a:rPr lang="en-US" sz="2800" dirty="0"/>
+              <a:t>connected </a:t>
+            </a:r>
+            <a:r>
+              <a:rPr lang="pl-PL" sz="2800" dirty="0"/>
+              <a:t>by</a:t>
+            </a:r>
+            <a:r>
+              <a:rPr lang="en-US" sz="2800" dirty="0"/>
+              <a:t> arrows in some specific way</a:t>
+            </a:r>
+            <a:r>
+              <a:rPr lang="pl-PL" sz="2800" dirty="0"/>
+              <a:t>, </a:t>
+            </a:r>
+            <a:r>
+              <a:rPr lang="pl-PL" sz="2800" dirty="0" err="1"/>
+              <a:t>making</a:t>
+            </a:r>
+            <a:r>
+              <a:rPr lang="pl-PL" sz="2800" dirty="0"/>
+              <a:t> a network.</a:t>
+            </a:r>
+          </a:p>
+          <a:p>
+            <a:pPr algn="just"/>
+            <a:r>
+              <a:rPr lang="en-US" sz="2800" dirty="0"/>
+              <a:t>On the right</a:t>
+            </a:r>
+            <a:r>
+              <a:rPr lang="pl-PL" sz="2800" dirty="0"/>
+              <a:t>,</a:t>
             </a:r>
             <a:r>
               <a:rPr lang="en-US" sz="2800" dirty="0"/>
@@ -3891,108 +3953,119 @@
             </a:r>
             <a:r>
               <a:rPr lang="pl-PL" sz="2800" dirty="0"/>
-              <a:t>of </a:t>
+              <a:t>the </a:t>
+            </a:r>
+            <a:r>
+              <a:rPr lang="pl-PL" sz="2800" dirty="0" err="1"/>
+              <a:t>pattern</a:t>
+            </a:r>
+            <a:r>
+              <a:rPr lang="pl-PL" sz="2800" dirty="0"/>
+              <a:t> of</a:t>
             </a:r>
             <a:r>
               <a:rPr lang="en-US" sz="2800" dirty="0"/>
-              <a:t>circles connected with arrows in some specific way. </a:t>
-            </a:r>
+              <a:t> circles and arrows</a:t>
+            </a:r>
+            <a:r>
+              <a:rPr lang="pl-PL" sz="2800" dirty="0"/>
+              <a:t> </a:t>
+            </a:r>
+            <a:r>
+              <a:rPr lang="pl-PL" sz="2800" dirty="0" err="1"/>
+              <a:t>makes</a:t>
+            </a:r>
+            <a:r>
+              <a:rPr lang="pl-PL" sz="2800" dirty="0"/>
+              <a:t> the same network as the one on the </a:t>
+            </a:r>
+            <a:r>
+              <a:rPr lang="pl-PL" sz="2800" dirty="0" err="1"/>
+              <a:t>left</a:t>
+            </a:r>
+            <a:r>
+              <a:rPr lang="pl-PL" sz="2800" dirty="0"/>
+              <a:t>. </a:t>
+            </a:r>
+          </a:p>
+          <a:p>
+            <a:pPr algn="just"/>
             <a:endParaRPr lang="pl-PL" sz="2800" dirty="0"/>
           </a:p>
           <a:p>
             <a:pPr algn="just"/>
             <a:r>
-              <a:rPr lang="en-US" sz="2800" dirty="0"/>
-              <a:t>On the right</a:t>
-            </a:r>
-            <a:r>
-              <a:rPr lang="pl-PL" sz="2800" dirty="0"/>
-              <a:t>,</a:t>
-            </a:r>
-            <a:r>
-              <a:rPr lang="en-US" sz="2800" dirty="0"/>
-              <a:t> there </a:t>
-            </a:r>
-            <a:r>
-              <a:rPr lang="pl-PL" sz="2800" dirty="0" err="1"/>
-              <a:t>is</a:t>
-            </a:r>
-            <a:r>
-              <a:rPr lang="en-US" sz="2800" dirty="0"/>
-              <a:t> </a:t>
-            </a:r>
-            <a:r>
-              <a:rPr lang="en-US" sz="2800" b="1" dirty="0"/>
-              <a:t>the same</a:t>
-            </a:r>
-            <a:r>
-              <a:rPr lang="en-US" sz="2800" dirty="0"/>
-              <a:t> </a:t>
-            </a:r>
-            <a:r>
-              <a:rPr lang="pl-PL" sz="2800" dirty="0"/>
-              <a:t>set</a:t>
-            </a:r>
-            <a:r>
-              <a:rPr lang="en-US" sz="2800" dirty="0"/>
-              <a:t> of circles and arrows</a:t>
-            </a:r>
-            <a:r>
-              <a:rPr lang="pl-PL" sz="2800" dirty="0"/>
-              <a:t>. </a:t>
-            </a:r>
-          </a:p>
-          <a:p>
-            <a:pPr algn="just"/>
-            <a:r>
               <a:rPr lang="pl-PL" sz="2800" dirty="0" err="1"/>
               <a:t>However</a:t>
             </a:r>
             <a:r>
               <a:rPr lang="pl-PL" sz="2800" dirty="0"/>
-              <a:t>, on the </a:t>
-            </a:r>
-            <a:r>
-              <a:rPr lang="pl-PL" sz="2800" dirty="0" err="1"/>
-              <a:t>right</a:t>
-            </a:r>
-            <a:r>
-              <a:rPr lang="pl-PL" sz="2800" dirty="0"/>
-              <a:t>, </a:t>
-            </a:r>
-            <a:r>
-              <a:rPr lang="en-US" sz="2800" dirty="0"/>
-              <a:t>someone</a:t>
-            </a:r>
-            <a:r>
-              <a:rPr lang="pl-PL" sz="2800" dirty="0"/>
-              <a:t> </a:t>
-            </a:r>
-            <a:r>
-              <a:rPr lang="pl-PL" sz="2800" dirty="0" err="1"/>
-              <a:t>mean</a:t>
-            </a:r>
-            <a:r>
-              <a:rPr lang="en-US" sz="2800" dirty="0"/>
-              <a:t> changed the location</a:t>
-            </a:r>
-            <a:r>
-              <a:rPr lang="pl-PL" sz="2800" dirty="0"/>
-              <a:t>s</a:t>
-            </a:r>
-            <a:r>
-              <a:rPr lang="en-US" sz="2800" dirty="0"/>
-              <a:t> of </a:t>
-            </a:r>
-            <a:r>
-              <a:rPr lang="pl-PL" sz="2800" dirty="0"/>
-              <a:t>the </a:t>
+              <a:t>, the </a:t>
             </a:r>
             <a:r>
               <a:rPr lang="en-US" sz="2800" dirty="0"/>
               <a:t>circles</a:t>
             </a:r>
-            <a:endParaRPr lang="pl-PL" sz="2800" dirty="0"/>
+            <a:r>
+              <a:rPr lang="pl-PL" sz="2800" dirty="0"/>
+              <a:t> in the </a:t>
+            </a:r>
+            <a:r>
+              <a:rPr lang="pl-PL" sz="2800" dirty="0" err="1"/>
+              <a:t>right</a:t>
+            </a:r>
+            <a:r>
+              <a:rPr lang="pl-PL" sz="2800" dirty="0"/>
+              <a:t> </a:t>
+            </a:r>
+            <a:r>
+              <a:rPr lang="pl-PL" sz="2800" dirty="0" err="1"/>
+              <a:t>pattern</a:t>
+            </a:r>
+            <a:r>
+              <a:rPr lang="pl-PL" sz="2800" dirty="0"/>
+              <a:t> </a:t>
+            </a:r>
+            <a:r>
+              <a:rPr lang="pl-PL" sz="2800" dirty="0" err="1"/>
+              <a:t>were</a:t>
+            </a:r>
+            <a:r>
+              <a:rPr lang="pl-PL" sz="2800" dirty="0"/>
+              <a:t> </a:t>
+            </a:r>
+            <a:r>
+              <a:rPr lang="pl-PL" sz="2800" dirty="0" err="1"/>
+              <a:t>randomly</a:t>
+            </a:r>
+            <a:r>
+              <a:rPr lang="pl-PL" sz="2800" dirty="0"/>
+              <a:t> </a:t>
+            </a:r>
+            <a:r>
+              <a:rPr lang="pl-PL" sz="2800" dirty="0" err="1"/>
+              <a:t>moved</a:t>
+            </a:r>
+            <a:r>
+              <a:rPr lang="pl-PL" sz="2800" dirty="0"/>
+              <a:t> to </a:t>
+            </a:r>
+            <a:r>
+              <a:rPr lang="pl-PL" sz="2800" dirty="0" err="1"/>
+              <a:t>new</a:t>
+            </a:r>
+            <a:r>
+              <a:rPr lang="pl-PL" sz="2800" dirty="0"/>
+              <a:t> </a:t>
+            </a:r>
+            <a:r>
+              <a:rPr lang="pl-PL" sz="2800" dirty="0" err="1"/>
+              <a:t>locations</a:t>
+            </a:r>
+            <a:r>
+              <a:rPr lang="pl-PL" sz="2800" dirty="0"/>
+              <a:t>,</a:t>
+            </a:r>
           </a:p>
           <a:p>
             <a:pPr algn="just"/>
@@ -4014,8 +4087,187 @@
             </a:r>
             <a:r>
               <a:rPr lang="en-US" sz="2800" dirty="0"/>
-              <a:t> changes.</a:t>
-            </a:r>
+              <a:t> changes</a:t>
+            </a:r>
+            <a:r>
+              <a:rPr lang="pl-PL" sz="2800" dirty="0"/>
+              <a:t> (</a:t>
+            </a:r>
+            <a:r>
+              <a:rPr lang="pl-PL" sz="2800" dirty="0" err="1"/>
+              <a:t>they</a:t>
+            </a:r>
+            <a:r>
+              <a:rPr lang="pl-PL" sz="2800" dirty="0"/>
+              <a:t> </a:t>
+            </a:r>
+            <a:r>
+              <a:rPr lang="pl-PL" sz="2800" dirty="0" err="1"/>
+              <a:t>still</a:t>
+            </a:r>
+            <a:r>
+              <a:rPr lang="pl-PL" sz="2800" dirty="0"/>
+              <a:t> </a:t>
+            </a:r>
+            <a:r>
+              <a:rPr lang="pl-PL" sz="2800" dirty="0" err="1"/>
+              <a:t>connect</a:t>
+            </a:r>
+            <a:r>
+              <a:rPr lang="pl-PL" sz="2800" dirty="0"/>
+              <a:t> the same </a:t>
+            </a:r>
+            <a:r>
+              <a:rPr lang="pl-PL" sz="2800" dirty="0" err="1"/>
+              <a:t>circles</a:t>
+            </a:r>
+            <a:r>
+              <a:rPr lang="pl-PL" sz="2800" dirty="0"/>
+              <a:t>)</a:t>
+            </a:r>
+            <a:r>
+              <a:rPr lang="en-US" sz="2800" dirty="0"/>
+              <a:t>.</a:t>
+            </a:r>
+            <a:r>
+              <a:rPr lang="pl-PL" sz="2800" dirty="0"/>
+              <a:t> </a:t>
+            </a:r>
+          </a:p>
+          <a:p>
+            <a:pPr algn="just"/>
+            <a:r>
+              <a:rPr lang="pl-PL" sz="2800" dirty="0" err="1"/>
+              <a:t>Thus</a:t>
+            </a:r>
+            <a:r>
+              <a:rPr lang="pl-PL" sz="2800" dirty="0"/>
+              <a:t>, the </a:t>
+            </a:r>
+            <a:r>
+              <a:rPr lang="pl-PL" sz="2800" dirty="0" err="1"/>
+              <a:t>structure</a:t>
+            </a:r>
+            <a:r>
+              <a:rPr lang="pl-PL" sz="2800" dirty="0"/>
+              <a:t> of </a:t>
+            </a:r>
+            <a:r>
+              <a:rPr lang="pl-PL" sz="2800" dirty="0" err="1"/>
+              <a:t>connections</a:t>
+            </a:r>
+            <a:r>
+              <a:rPr lang="pl-PL" sz="2800" dirty="0"/>
+              <a:t> </a:t>
+            </a:r>
+            <a:r>
+              <a:rPr lang="pl-PL" sz="2800" dirty="0" err="1"/>
+              <a:t>between</a:t>
+            </a:r>
+            <a:r>
+              <a:rPr lang="pl-PL" sz="2800" dirty="0"/>
+              <a:t> </a:t>
+            </a:r>
+            <a:r>
+              <a:rPr lang="pl-PL" sz="2800" dirty="0" err="1"/>
+              <a:t>circles</a:t>
+            </a:r>
+            <a:r>
+              <a:rPr lang="pl-PL" sz="2800" dirty="0"/>
+              <a:t> </a:t>
+            </a:r>
+            <a:r>
+              <a:rPr lang="pl-PL" sz="2800" dirty="0" err="1"/>
+              <a:t>remains</a:t>
+            </a:r>
+            <a:r>
+              <a:rPr lang="pl-PL" sz="2800" dirty="0"/>
+              <a:t> </a:t>
+            </a:r>
+            <a:r>
+              <a:rPr lang="pl-PL" sz="2800" dirty="0" err="1"/>
+              <a:t>identical</a:t>
+            </a:r>
+            <a:r>
+              <a:rPr lang="pl-PL" sz="2800" dirty="0"/>
+              <a:t> in </a:t>
+            </a:r>
+            <a:r>
+              <a:rPr lang="pl-PL" sz="2800" dirty="0" err="1"/>
+              <a:t>both</a:t>
+            </a:r>
+            <a:r>
+              <a:rPr lang="pl-PL" sz="2800" dirty="0"/>
+              <a:t> networks.</a:t>
+            </a:r>
+          </a:p>
+          <a:p>
+            <a:pPr algn="just"/>
+            <a:r>
+              <a:rPr lang="pl-PL" sz="2800" dirty="0" err="1"/>
+              <a:t>You</a:t>
+            </a:r>
+            <a:r>
+              <a:rPr lang="pl-PL" sz="2800" dirty="0"/>
+              <a:t> </a:t>
+            </a:r>
+            <a:r>
+              <a:rPr lang="pl-PL" sz="2800" dirty="0" err="1"/>
+              <a:t>need</a:t>
+            </a:r>
+            <a:r>
+              <a:rPr lang="pl-PL" sz="2800" dirty="0"/>
+              <a:t> to </a:t>
+            </a:r>
+            <a:r>
+              <a:rPr lang="pl-PL" sz="2800" dirty="0" err="1"/>
+              <a:t>observe</a:t>
+            </a:r>
+            <a:r>
+              <a:rPr lang="pl-PL" sz="2800" dirty="0"/>
+              <a:t> the </a:t>
+            </a:r>
+            <a:r>
+              <a:rPr lang="pl-PL" sz="2800" dirty="0" err="1"/>
+              <a:t>structure</a:t>
+            </a:r>
+            <a:r>
+              <a:rPr lang="pl-PL" sz="2800" dirty="0"/>
+              <a:t> of </a:t>
+            </a:r>
+            <a:r>
+              <a:rPr lang="pl-PL" sz="2800" dirty="0" err="1"/>
+              <a:t>connections</a:t>
+            </a:r>
+            <a:r>
+              <a:rPr lang="pl-PL" sz="2800" dirty="0"/>
+              <a:t> to </a:t>
+            </a:r>
+            <a:r>
+              <a:rPr lang="pl-PL" sz="2800" dirty="0" err="1"/>
+              <a:t>track</a:t>
+            </a:r>
+            <a:r>
+              <a:rPr lang="pl-PL" sz="2800" dirty="0"/>
+              <a:t> </a:t>
+            </a:r>
+            <a:r>
+              <a:rPr lang="pl-PL" sz="2800" dirty="0" err="1"/>
+              <a:t>some</a:t>
+            </a:r>
+            <a:r>
+              <a:rPr lang="pl-PL" sz="2800" dirty="0"/>
+              <a:t> of the </a:t>
+            </a:r>
+            <a:r>
+              <a:rPr lang="pl-PL" sz="2800" dirty="0" err="1"/>
+              <a:t>circles</a:t>
+            </a:r>
+            <a:r>
+              <a:rPr lang="pl-PL" sz="2800" dirty="0"/>
+              <a:t> in the networks.</a:t>
+            </a:r>
+            <a:endParaRPr lang="en-US" sz="2800" dirty="0"/>
           </a:p>
           <a:p>
             <a:pPr algn="just"/>
@@ -4024,20 +4276,20 @@
           <a:p>
             <a:pPr algn="just"/>
             <a:r>
+              <a:rPr lang="pl-PL" sz="2800" dirty="0"/>
+              <a:t>In the </a:t>
+            </a:r>
+            <a:r>
+              <a:rPr lang="pl-PL" sz="2800" dirty="0" err="1"/>
+              <a:t>left</a:t>
+            </a:r>
+            <a:r>
+              <a:rPr lang="pl-PL" sz="2800" dirty="0"/>
+              <a:t> network, o</a:t>
+            </a:r>
+            <a:r>
               <a:rPr lang="en-US" sz="2800" dirty="0"/>
-              <a:t>One circle </a:t>
-            </a:r>
-            <a:r>
-              <a:rPr lang="pl-PL" sz="2800" dirty="0"/>
-              <a:t>in</a:t>
-            </a:r>
-            <a:r>
-              <a:rPr lang="en-US" sz="2800" dirty="0"/>
-              <a:t> the left </a:t>
-            </a:r>
-            <a:r>
-              <a:rPr lang="pl-PL" sz="2800" dirty="0"/>
-              <a:t>set </a:t>
+              <a:t>ne circle </a:t>
             </a:r>
             <a:r>
               <a:rPr lang="pl-PL" sz="2800" dirty="0" err="1"/>
@@ -4089,7 +4341,7 @@
             </a:r>
             <a:r>
               <a:rPr lang="pl-PL" sz="2800" dirty="0"/>
-              <a:t> set </a:t>
+              <a:t> network </a:t>
             </a:r>
             <a:r>
               <a:rPr lang="pl-PL" sz="2800" dirty="0" err="1"/>
@@ -4115,6 +4367,10 @@
               <a:rPr lang="pl-PL" sz="2800" dirty="0"/>
               <a:t>. </a:t>
             </a:r>
+          </a:p>
+          <a:p>
+            <a:pPr algn="just"/>
+            <a:endParaRPr lang="pl-PL" sz="2800" dirty="0"/>
           </a:p>
           <a:p>
             <a:pPr algn="just"/>
@@ -4123,8 +4379,8 @@
               <a:t>Your task is to </a:t>
             </a:r>
             <a:r>
-              <a:rPr lang="pl-PL" sz="2800" dirty="0"/>
-              <a:t>point</a:t>
+              <a:rPr lang="pl-PL" sz="2800" dirty="0" err="1"/>
+              <a:t>find</a:t>
             </a:r>
             <a:r>
               <a:rPr lang="en-US" sz="2800" dirty="0"/>
@@ -4132,11 +4388,58 @@
             </a:r>
             <a:r>
               <a:rPr lang="pl-PL" sz="2800" dirty="0" err="1"/>
+              <a:t>two</a:t>
+            </a:r>
+            <a:r>
+              <a:rPr lang="pl-PL" sz="2800" dirty="0"/>
+              <a:t> </a:t>
+            </a:r>
+            <a:r>
+              <a:rPr lang="pl-PL" sz="2800" dirty="0" err="1"/>
+              <a:t>circles</a:t>
+            </a:r>
+            <a:r>
+              <a:rPr lang="pl-PL" sz="2800" dirty="0"/>
+              <a:t> in the </a:t>
+            </a:r>
+            <a:r>
+              <a:rPr lang="pl-PL" sz="2800" dirty="0" err="1"/>
+              <a:t>right</a:t>
+            </a:r>
+            <a:r>
+              <a:rPr lang="pl-PL" sz="2800" dirty="0"/>
+              <a:t> network </a:t>
+            </a:r>
+            <a:r>
+              <a:rPr lang="pl-PL" sz="2800" dirty="0" err="1"/>
+              <a:t>that</a:t>
+            </a:r>
+            <a:r>
+              <a:rPr lang="pl-PL" sz="2800" dirty="0"/>
+              <a:t> </a:t>
+            </a:r>
+            <a:r>
+              <a:rPr lang="pl-PL" sz="2800" dirty="0" err="1"/>
+              <a:t>correspond</a:t>
+            </a:r>
+            <a:r>
+              <a:rPr lang="pl-PL" sz="2800" dirty="0"/>
+              <a:t> </a:t>
+            </a:r>
+          </a:p>
+          <a:p>
+            <a:pPr algn="just"/>
+            <a:r>
+              <a:rPr lang="pl-PL" sz="2800" dirty="0"/>
+              <a:t>to the </a:t>
+            </a:r>
+            <a:r>
+              <a:rPr lang="pl-PL" sz="2800" dirty="0" err="1"/>
               <a:t>yellow</a:t>
             </a:r>
             <a:r>
               <a:rPr lang="pl-PL" sz="2800" dirty="0"/>
-              <a:t> and the </a:t>
+              <a:t> and to the </a:t>
             </a:r>
             <a:r>
               <a:rPr lang="pl-PL" sz="2800" dirty="0" err="1"/>
@@ -4156,11 +4459,15 @@
             </a:r>
             <a:r>
               <a:rPr lang="en-US" sz="2800" dirty="0"/>
-              <a:t> the right</a:t>
-            </a:r>
-            <a:r>
-              <a:rPr lang="pl-PL" sz="2800" dirty="0"/>
-              <a:t> set.</a:t>
+              <a:t> the </a:t>
+            </a:r>
+            <a:r>
+              <a:rPr lang="pl-PL" sz="2800" dirty="0" err="1"/>
+              <a:t>left</a:t>
+            </a:r>
+            <a:r>
+              <a:rPr lang="pl-PL" sz="2800" dirty="0"/>
+              <a:t> network.</a:t>
             </a:r>
           </a:p>
           <a:p>
@@ -4193,10 +4500,6 @@
           </a:p>
           <a:p>
             <a:pPr algn="just"/>
-            <a:endParaRPr lang="pl-PL" sz="2800" dirty="0"/>
-          </a:p>
-          <a:p>
-            <a:pPr algn="just"/>
             <a:r>
               <a:rPr lang="pl-PL" sz="2800" dirty="0" err="1"/>
               <a:t>Now</a:t>
@@ -4251,7 +4554,7 @@
             </a:r>
             <a:r>
               <a:rPr lang="pl-PL" sz="2800" dirty="0"/>
-              <a:t> set.</a:t>
+              <a:t> network.</a:t>
             </a:r>
           </a:p>
           <a:p>
@@ -4306,7 +4609,7 @@
         </p:nvGrpSpPr>
         <p:grpSpPr>
           <a:xfrm>
-            <a:off x="6675493" y="7426943"/>
+            <a:off x="5815957" y="8707103"/>
             <a:ext cx="3327954" cy="529465"/>
             <a:chOff x="5396844" y="5235388"/>
             <a:chExt cx="4299284" cy="684000"/>
@@ -4573,7 +4876,7 @@
         </p:nvGrpSpPr>
         <p:grpSpPr>
           <a:xfrm>
-            <a:off x="13000991" y="6910683"/>
+            <a:off x="12141455" y="8190843"/>
             <a:ext cx="1859998" cy="1561983"/>
             <a:chOff x="14238901" y="4551388"/>
             <a:chExt cx="2402878" cy="2017881"/>
@@ -4886,9 +5189,9 @@
         </p:nvGrpSpPr>
         <p:grpSpPr>
           <a:xfrm>
-            <a:off x="6368840" y="2636078"/>
+            <a:off x="5133305" y="4071506"/>
             <a:ext cx="14526590" cy="8833187"/>
-            <a:chOff x="4985517" y="3011217"/>
+            <a:chOff x="4609518" y="3166485"/>
             <a:chExt cx="14526590" cy="8833187"/>
           </a:xfrm>
         </p:grpSpPr>
@@ -4906,7 +5209,7 @@
           </p:nvSpPr>
           <p:spPr>
             <a:xfrm>
-              <a:off x="4985517" y="3011217"/>
+              <a:off x="4609518" y="3166485"/>
               <a:ext cx="14526590" cy="8833187"/>
             </a:xfrm>
             <a:prstGeom prst="rect">
@@ -4982,6 +5285,42 @@
             <a:p>
               <a:pPr algn="just"/>
               <a:r>
+                <a:rPr lang="pl-PL" sz="2800" dirty="0"/>
+                <a:t>How to </a:t>
+              </a:r>
+              <a:r>
+                <a:rPr lang="pl-PL" sz="2800" dirty="0" err="1"/>
+                <a:t>identify</a:t>
+              </a:r>
+              <a:r>
+                <a:rPr lang="pl-PL" sz="2800" dirty="0"/>
+                <a:t> the </a:t>
+              </a:r>
+              <a:r>
+                <a:rPr lang="pl-PL" sz="2800" dirty="0" err="1"/>
+                <a:t>circles</a:t>
+              </a:r>
+              <a:r>
+                <a:rPr lang="pl-PL" sz="2800" dirty="0"/>
+                <a:t> in </a:t>
+              </a:r>
+              <a:r>
+                <a:rPr lang="pl-PL" sz="2800" dirty="0" err="1"/>
+                <a:t>this</a:t>
+              </a:r>
+              <a:r>
+                <a:rPr lang="pl-PL" sz="2800" dirty="0"/>
+                <a:t> </a:t>
+              </a:r>
+              <a:r>
+                <a:rPr lang="pl-PL" sz="2800" dirty="0" err="1"/>
+                <a:t>example</a:t>
+              </a:r>
+              <a:r>
+                <a:rPr lang="pl-PL" sz="2800" dirty="0"/>
+                <a:t>? </a:t>
+              </a:r>
+              <a:r>
                 <a:rPr lang="pl-PL" sz="2800" dirty="0" err="1"/>
                 <a:t>Notice</a:t>
               </a:r>
@@ -4995,7 +5334,7 @@
               </a:r>
               <a:r>
                 <a:rPr lang="pl-PL" sz="2800" dirty="0"/>
-                <a:t> </a:t>
+                <a:t> in </a:t>
               </a:r>
               <a:r>
                 <a:rPr lang="pl-PL" sz="2800" dirty="0" err="1"/>
@@ -5003,23 +5342,7 @@
               </a:r>
               <a:r>
                 <a:rPr lang="pl-PL" sz="2800" dirty="0"/>
-                <a:t> in the </a:t>
-              </a:r>
-              <a:r>
-                <a:rPr lang="pl-PL" sz="2800" dirty="0" err="1"/>
-                <a:t>left</a:t>
-              </a:r>
-              <a:r>
-                <a:rPr lang="pl-PL" sz="2800" dirty="0"/>
-                <a:t> and the </a:t>
-              </a:r>
-              <a:r>
-                <a:rPr lang="pl-PL" sz="2800" dirty="0" err="1"/>
-                <a:t>right</a:t>
-              </a:r>
-              <a:r>
-                <a:rPr lang="pl-PL" sz="2800" dirty="0"/>
-                <a:t> set the </a:t>
+                <a:t> networks, the </a:t>
               </a:r>
               <a:r>
                 <a:rPr lang="pl-PL" sz="2800" dirty="0" err="1"/>
@@ -5061,9 +5384,6 @@
                 <a:rPr lang="pl-PL" sz="2800" dirty="0"/>
                 <a:t>, </a:t>
               </a:r>
-            </a:p>
-            <a:p>
-              <a:pPr algn="just"/>
               <a:r>
                 <a:rPr lang="pl-PL" sz="2800" dirty="0" err="1"/>
                 <a:t>while</a:t>
@@ -5116,7 +5436,10 @@
                 <a:rPr lang="pl-PL" sz="2800" dirty="0" err="1"/>
                 <a:t>arrow</a:t>
               </a:r>
-              <a:endParaRPr lang="pl-PL" sz="2800" dirty="0"/>
+              <a:r>
+                <a:rPr lang="pl-PL" sz="2800" dirty="0"/>
+                <a:t>.</a:t>
+              </a:r>
             </a:p>
             <a:p>
               <a:pPr algn="just"/>
@@ -5779,7 +6102,19 @@
           <a:p>
             <a:r>
               <a:rPr lang="en-US" sz="2800" dirty="0"/>
-              <a:t>The blue circle has one incoming arrow from a circle which has two outgoing arrows. </a:t>
+              <a:t>The blue circle has one incoming arrow </a:t>
+            </a:r>
+            <a:r>
+              <a:rPr lang="pl-PL" sz="2800" dirty="0" err="1"/>
+              <a:t>leading</a:t>
+            </a:r>
+            <a:r>
+              <a:rPr lang="pl-PL" sz="2800" dirty="0"/>
+              <a:t> </a:t>
+            </a:r>
+            <a:r>
+              <a:rPr lang="en-US" sz="2800" dirty="0"/>
+              <a:t>from a circle which has two outgoing arrows. </a:t>
             </a:r>
             <a:endParaRPr lang="pl-PL" sz="2800" dirty="0"/>
           </a:p>
@@ -5804,16 +6139,39 @@
               <a:rPr lang="en-US" sz="2800" dirty="0"/>
               <a:t>the yellow circle has also one incoming arrow</a:t>
             </a:r>
-            <a:endParaRPr lang="pl-PL" sz="2800" dirty="0"/>
+            <a:r>
+              <a:rPr lang="pl-PL" sz="2800" dirty="0"/>
+              <a:t>,</a:t>
+            </a:r>
           </a:p>
           <a:p>
             <a:r>
               <a:rPr lang="en-US" sz="2800" dirty="0"/>
-              <a:t>but from a circle that has one outgoing and one incoming arrow</a:t>
-            </a:r>
-            <a:r>
-              <a:rPr lang="pl-PL" sz="2800" dirty="0"/>
-              <a:t>!</a:t>
+              <a:t>but </a:t>
+            </a:r>
+            <a:r>
+              <a:rPr lang="pl-PL" sz="2800" dirty="0" err="1"/>
+              <a:t>they</a:t>
+            </a:r>
+            <a:r>
+              <a:rPr lang="pl-PL" sz="2800" dirty="0"/>
+              <a:t> </a:t>
+            </a:r>
+            <a:r>
+              <a:rPr lang="pl-PL" sz="2800" dirty="0" err="1"/>
+              <a:t>lead</a:t>
+            </a:r>
+            <a:r>
+              <a:rPr lang="pl-PL" sz="2800" dirty="0"/>
+              <a:t> </a:t>
+            </a:r>
+            <a:r>
+              <a:rPr lang="en-US" sz="2800" dirty="0"/>
+              <a:t>from a circle that has one outgoing and one incoming arrow</a:t>
+            </a:r>
+            <a:r>
+              <a:rPr lang="pl-PL" sz="2800" dirty="0"/>
+              <a:t>.</a:t>
             </a:r>
             <a:r>
               <a:rPr lang="en-US" sz="2800" dirty="0"/>
@@ -5856,7 +6214,15 @@
             </a:r>
             <a:r>
               <a:rPr lang="en-US" sz="2800" dirty="0"/>
-              <a:t>circle in the right set.</a:t>
+              <a:t>circle in the right </a:t>
+            </a:r>
+            <a:r>
+              <a:rPr lang="pl-PL" sz="2800" dirty="0"/>
+              <a:t>network</a:t>
+            </a:r>
+            <a:r>
+              <a:rPr lang="en-US" sz="2800" dirty="0"/>
+              <a:t>.</a:t>
             </a:r>
           </a:p>
           <a:p>
@@ -6741,7 +7107,19 @@
           <a:p>
             <a:r>
               <a:rPr lang="en-US" sz="2800" dirty="0"/>
-              <a:t>The blue circle has one incoming arrow from a circle which has two outgoing arrows. </a:t>
+              <a:t>The blue circle has one incoming arrow </a:t>
+            </a:r>
+            <a:r>
+              <a:rPr lang="pl-PL" sz="2800" dirty="0" err="1"/>
+              <a:t>leading</a:t>
+            </a:r>
+            <a:r>
+              <a:rPr lang="pl-PL" sz="2800" dirty="0"/>
+              <a:t> </a:t>
+            </a:r>
+            <a:r>
+              <a:rPr lang="en-US" sz="2800" dirty="0"/>
+              <a:t>from a circle which has two outgoing arrows. </a:t>
             </a:r>
             <a:endParaRPr lang="pl-PL" sz="2800" dirty="0"/>
           </a:p>
@@ -6766,16 +7144,39 @@
               <a:rPr lang="en-US" sz="2800" dirty="0"/>
               <a:t>the yellow circle has also one incoming arrow</a:t>
             </a:r>
-            <a:endParaRPr lang="pl-PL" sz="2800" dirty="0"/>
+            <a:r>
+              <a:rPr lang="pl-PL" sz="2800" dirty="0"/>
+              <a:t>,</a:t>
+            </a:r>
           </a:p>
           <a:p>
             <a:r>
               <a:rPr lang="en-US" sz="2800" dirty="0"/>
-              <a:t>but from a circle that has one outgoing and one incoming arrow</a:t>
-            </a:r>
-            <a:r>
-              <a:rPr lang="pl-PL" sz="2800" dirty="0"/>
-              <a:t>!</a:t>
+              <a:t>but </a:t>
+            </a:r>
+            <a:r>
+              <a:rPr lang="pl-PL" sz="2800" dirty="0" err="1"/>
+              <a:t>they</a:t>
+            </a:r>
+            <a:r>
+              <a:rPr lang="pl-PL" sz="2800" dirty="0"/>
+              <a:t> </a:t>
+            </a:r>
+            <a:r>
+              <a:rPr lang="pl-PL" sz="2800" dirty="0" err="1"/>
+              <a:t>lead</a:t>
+            </a:r>
+            <a:r>
+              <a:rPr lang="pl-PL" sz="2800" dirty="0"/>
+              <a:t> </a:t>
+            </a:r>
+            <a:r>
+              <a:rPr lang="en-US" sz="2800" dirty="0"/>
+              <a:t>from a circle that has one outgoing and one incoming arrow</a:t>
+            </a:r>
+            <a:r>
+              <a:rPr lang="pl-PL" sz="2800" dirty="0"/>
+              <a:t>.</a:t>
             </a:r>
             <a:r>
               <a:rPr lang="en-US" sz="2800" dirty="0"/>
@@ -6818,7 +7219,15 @@
             </a:r>
             <a:r>
               <a:rPr lang="en-US" sz="2800" dirty="0"/>
-              <a:t>circle in the right set.</a:t>
+              <a:t>circle in the right </a:t>
+            </a:r>
+            <a:r>
+              <a:rPr lang="pl-PL" sz="2800" dirty="0"/>
+              <a:t>network</a:t>
+            </a:r>
+            <a:r>
+              <a:rPr lang="en-US" sz="2800" dirty="0"/>
+              <a:t>.</a:t>
             </a:r>
           </a:p>
           <a:p>
@@ -7683,7 +8092,7 @@
             </a:r>
             <a:r>
               <a:rPr lang="pl-PL" sz="2800" dirty="0" err="1"/>
-              <a:t>answer</a:t>
+              <a:t>response</a:t>
             </a:r>
             <a:r>
               <a:rPr lang="pl-PL" sz="2800" dirty="0"/>
@@ -7691,7 +8100,15 @@
             </a:r>
             <a:r>
               <a:rPr lang="pl-PL" sz="2800" dirty="0" err="1"/>
-              <a:t>is</a:t>
+              <a:t>will</a:t>
+            </a:r>
+            <a:r>
+              <a:rPr lang="pl-PL" sz="2800" dirty="0"/>
+              <a:t> be </a:t>
+            </a:r>
+            <a:r>
+              <a:rPr lang="pl-PL" sz="2800" dirty="0" err="1"/>
+              <a:t>correct</a:t>
             </a:r>
             <a:r>
               <a:rPr lang="pl-PL" sz="2800" dirty="0"/>
@@ -7699,7 +8116,7 @@
             </a:r>
             <a:r>
               <a:rPr lang="pl-PL" sz="2800" dirty="0" err="1"/>
-              <a:t>correct</a:t>
+              <a:t>when</a:t>
             </a:r>
             <a:r>
               <a:rPr lang="pl-PL" sz="2800" dirty="0"/>
@@ -7707,7 +8124,7 @@
             </a:r>
             <a:r>
               <a:rPr lang="pl-PL" sz="2800" dirty="0" err="1"/>
-              <a:t>when</a:t>
+              <a:t>you</a:t>
             </a:r>
             <a:r>
               <a:rPr lang="pl-PL" sz="2800" dirty="0"/>
@@ -7715,7 +8132,31 @@
             </a:r>
             <a:r>
               <a:rPr lang="pl-PL" sz="2800" dirty="0" err="1"/>
-              <a:t>you</a:t>
+              <a:t>correctly</a:t>
+            </a:r>
+            <a:r>
+              <a:rPr lang="pl-PL" sz="2800" dirty="0"/>
+              <a:t> point </a:t>
+            </a:r>
+            <a:r>
+              <a:rPr lang="pl-PL" sz="2800" dirty="0" err="1"/>
+              <a:t>both</a:t>
+            </a:r>
+            <a:r>
+              <a:rPr lang="pl-PL" sz="2800" dirty="0"/>
+              <a:t> the </a:t>
+            </a:r>
+            <a:r>
+              <a:rPr lang="pl-PL" sz="2800" dirty="0" err="1"/>
+              <a:t>yellow</a:t>
+            </a:r>
+            <a:r>
+              <a:rPr lang="pl-PL" sz="2800" dirty="0"/>
+              <a:t> and the </a:t>
+            </a:r>
+            <a:r>
+              <a:rPr lang="pl-PL" sz="2800" dirty="0" err="1"/>
+              <a:t>blue</a:t>
             </a:r>
             <a:r>
               <a:rPr lang="pl-PL" sz="2800" dirty="0"/>
@@ -7723,42 +8164,18 @@
             </a:r>
             <a:r>
               <a:rPr lang="pl-PL" sz="2800" dirty="0" err="1"/>
-              <a:t>correctly</a:t>
-            </a:r>
-            <a:r>
-              <a:rPr lang="pl-PL" sz="2800" dirty="0"/>
-              <a:t> point </a:t>
-            </a:r>
-            <a:r>
-              <a:rPr lang="pl-PL" sz="2800" dirty="0" err="1"/>
-              <a:t>both</a:t>
-            </a:r>
-            <a:r>
-              <a:rPr lang="pl-PL" sz="2800" dirty="0"/>
-              <a:t> the </a:t>
-            </a:r>
-            <a:r>
-              <a:rPr lang="pl-PL" sz="2800" dirty="0" err="1"/>
-              <a:t>yellow</a:t>
-            </a:r>
-            <a:r>
-              <a:rPr lang="pl-PL" sz="2800" dirty="0"/>
-              <a:t> and the </a:t>
-            </a:r>
-            <a:r>
-              <a:rPr lang="pl-PL" sz="2800" dirty="0" err="1"/>
-              <a:t>blue</a:t>
-            </a:r>
-            <a:r>
-              <a:rPr lang="pl-PL" sz="2800" dirty="0"/>
-              <a:t> </a:t>
-            </a:r>
-            <a:r>
-              <a:rPr lang="pl-PL" sz="2800" dirty="0" err="1"/>
               <a:t>circle</a:t>
             </a:r>
             <a:r>
               <a:rPr lang="pl-PL" sz="2800" dirty="0"/>
+              <a:t> in the network on the </a:t>
+            </a:r>
+            <a:r>
+              <a:rPr lang="pl-PL" sz="2800" dirty="0" err="1"/>
+              <a:t>right</a:t>
+            </a:r>
+            <a:r>
+              <a:rPr lang="pl-PL" sz="2800" dirty="0"/>
               <a:t>.</a:t>
             </a:r>
           </a:p>
@@ -7766,15 +8183,7 @@
             <a:pPr algn="just"/>
             <a:r>
               <a:rPr lang="pl-PL" sz="2800" b="1" dirty="0" err="1"/>
-              <a:t>Remember</a:t>
-            </a:r>
-            <a:r>
-              <a:rPr lang="pl-PL" sz="2800" b="1" dirty="0"/>
-              <a:t>, </a:t>
-            </a:r>
-            <a:r>
-              <a:rPr lang="pl-PL" sz="2800" b="1" dirty="0" err="1"/>
-              <a:t>there</a:t>
+              <a:t>There</a:t>
             </a:r>
             <a:r>
               <a:rPr lang="pl-PL" sz="2800" b="1" dirty="0"/>
@@ -7820,9 +8229,6 @@
               <a:rPr lang="pl-PL" sz="2800" b="1" dirty="0"/>
               <a:t> – </a:t>
             </a:r>
-          </a:p>
-          <a:p>
-            <a:pPr algn="just"/>
             <a:r>
               <a:rPr lang="pl-PL" sz="2800" b="1" dirty="0" err="1"/>
               <a:t>both</a:t>
@@ -7861,7 +8267,7 @@
             </a:r>
             <a:r>
               <a:rPr lang="pl-PL" sz="2800" b="1" dirty="0"/>
-              <a:t> </a:t>
+              <a:t> one and </a:t>
             </a:r>
             <a:r>
               <a:rPr lang="pl-PL" sz="2800" b="1" dirty="0" err="1"/>
@@ -7935,6 +8341,10 @@
           <a:p>
             <a:pPr algn="just"/>
             <a:r>
+              <a:rPr lang="pl-PL" sz="2800" dirty="0"/>
+              <a:t>the </a:t>
+            </a:r>
+            <a:r>
               <a:rPr lang="pl-PL" sz="2800" dirty="0" err="1"/>
               <a:t>left</a:t>
             </a:r>
@@ -7972,7 +8382,7 @@
             </a:r>
             <a:r>
               <a:rPr lang="pl-PL" sz="2800" dirty="0"/>
-              <a:t> 		</a:t>
+              <a:t> 		the </a:t>
             </a:r>
             <a:r>
               <a:rPr lang="pl-PL" sz="2800" dirty="0" err="1"/>
@@ -8048,7 +8458,7 @@
             </a:r>
             <a:r>
               <a:rPr lang="pl-PL" sz="2800" dirty="0"/>
-              <a:t> </a:t>
+              <a:t>, </a:t>
             </a:r>
             <a:r>
               <a:rPr lang="pl-PL" sz="2800" dirty="0" err="1"/>
@@ -8130,11 +8540,38 @@
             </a:r>
             <a:r>
               <a:rPr lang="pl-PL" sz="2800" dirty="0"/>
+              <a:t> a </a:t>
+            </a:r>
+            <a:r>
+              <a:rPr lang="pl-PL" sz="2800" dirty="0" err="1"/>
+              <a:t>limited</a:t>
+            </a:r>
+            <a:r>
+              <a:rPr lang="pl-PL" sz="2800" dirty="0"/>
               <a:t> </a:t>
             </a:r>
             <a:r>
               <a:rPr lang="pl-PL" sz="2800" dirty="0" err="1"/>
-              <a:t>limited</a:t>
+              <a:t>time</a:t>
+            </a:r>
+            <a:r>
+              <a:rPr lang="pl-PL" sz="2800" dirty="0"/>
+              <a:t> to </a:t>
+            </a:r>
+            <a:r>
+              <a:rPr lang="pl-PL" sz="2800" dirty="0" err="1"/>
+              <a:t>respond</a:t>
+            </a:r>
+            <a:r>
+              <a:rPr lang="pl-PL" sz="2800" dirty="0"/>
+              <a:t>. </a:t>
+            </a:r>
+          </a:p>
+          <a:p>
+            <a:pPr algn="just"/>
+            <a:r>
+              <a:rPr lang="pl-PL" sz="2800" dirty="0" err="1"/>
+              <a:t>When</a:t>
             </a:r>
             <a:r>
               <a:rPr lang="pl-PL" sz="2800" dirty="0"/>
@@ -8142,26 +8579,15 @@
             </a:r>
             <a:r>
               <a:rPr lang="pl-PL" sz="2800" dirty="0" err="1"/>
-              <a:t>time</a:t>
-            </a:r>
-            <a:r>
-              <a:rPr lang="pl-PL" sz="2800" dirty="0"/>
-              <a:t> to </a:t>
-            </a:r>
-            <a:r>
-              <a:rPr lang="pl-PL" sz="2800" dirty="0" err="1"/>
-              <a:t>answer</a:t>
-            </a:r>
-            <a:r>
-              <a:rPr lang="pl-PL" sz="2800" dirty="0"/>
-              <a:t>. </a:t>
-            </a:r>
-          </a:p>
-          <a:p>
-            <a:pPr algn="just"/>
-            <a:r>
-              <a:rPr lang="pl-PL" sz="2800" dirty="0" err="1"/>
-              <a:t>When</a:t>
+              <a:t>only</a:t>
+            </a:r>
+            <a:r>
+              <a:rPr lang="pl-PL" sz="2800" dirty="0"/>
+              <a:t> a </a:t>
+            </a:r>
+            <a:r>
+              <a:rPr lang="pl-PL" sz="2800" dirty="0" err="1"/>
+              <a:t>few</a:t>
             </a:r>
             <a:r>
               <a:rPr lang="pl-PL" sz="2800" dirty="0"/>
@@ -8169,15 +8595,7 @@
             </a:r>
             <a:r>
               <a:rPr lang="pl-PL" sz="2800" dirty="0" err="1"/>
-              <a:t>only</a:t>
-            </a:r>
-            <a:r>
-              <a:rPr lang="pl-PL" sz="2800" dirty="0"/>
-              <a:t> a </a:t>
-            </a:r>
-            <a:r>
-              <a:rPr lang="pl-PL" sz="2800" dirty="0" err="1"/>
-              <a:t>few</a:t>
+              <a:t>seconds</a:t>
             </a:r>
             <a:r>
               <a:rPr lang="pl-PL" sz="2800" dirty="0"/>
@@ -8185,7 +8603,7 @@
             </a:r>
             <a:r>
               <a:rPr lang="pl-PL" sz="2800" dirty="0" err="1"/>
-              <a:t>seconds</a:t>
+              <a:t>are</a:t>
             </a:r>
             <a:r>
               <a:rPr lang="pl-PL" sz="2800" dirty="0"/>
@@ -8193,7 +8611,15 @@
             </a:r>
             <a:r>
               <a:rPr lang="pl-PL" sz="2800" dirty="0" err="1"/>
-              <a:t>are</a:t>
+              <a:t>left</a:t>
+            </a:r>
+            <a:r>
+              <a:rPr lang="pl-PL" sz="2800" dirty="0"/>
+              <a:t>, a small </a:t>
+            </a:r>
+            <a:r>
+              <a:rPr lang="pl-PL" sz="2800" dirty="0" err="1"/>
+              <a:t>clock</a:t>
             </a:r>
             <a:r>
               <a:rPr lang="pl-PL" sz="2800" dirty="0"/>
@@ -8201,15 +8627,7 @@
             </a:r>
             <a:r>
               <a:rPr lang="pl-PL" sz="2800" dirty="0" err="1"/>
-              <a:t>left</a:t>
-            </a:r>
-            <a:r>
-              <a:rPr lang="pl-PL" sz="2800" dirty="0"/>
-              <a:t>, a small </a:t>
-            </a:r>
-            <a:r>
-              <a:rPr lang="pl-PL" sz="2800" dirty="0" err="1"/>
-              <a:t>clock</a:t>
+              <a:t>icon</a:t>
             </a:r>
             <a:r>
               <a:rPr lang="pl-PL" sz="2800" dirty="0"/>
@@ -8217,7 +8635,7 @@
             </a:r>
             <a:r>
               <a:rPr lang="pl-PL" sz="2800" dirty="0" err="1"/>
-              <a:t>icon</a:t>
+              <a:t>is</a:t>
             </a:r>
             <a:r>
               <a:rPr lang="pl-PL" sz="2800" dirty="0"/>
@@ -8225,14 +8643,6 @@
             </a:r>
             <a:r>
               <a:rPr lang="pl-PL" sz="2800" dirty="0" err="1"/>
-              <a:t>is</a:t>
-            </a:r>
-            <a:r>
-              <a:rPr lang="pl-PL" sz="2800" dirty="0"/>
-              <a:t> </a:t>
-            </a:r>
-            <a:r>
-              <a:rPr lang="pl-PL" sz="2800" dirty="0" err="1"/>
               <a:t>shown</a:t>
             </a:r>
             <a:r>
@@ -8241,7 +8651,7 @@
             </a:r>
             <a:r>
               <a:rPr lang="pl-PL" sz="2800" dirty="0" err="1"/>
-              <a:t>remainder</a:t>
+              <a:t>reminder</a:t>
             </a:r>
             <a:r>
               <a:rPr lang="pl-PL" sz="2800" dirty="0"/>
@@ -8268,47 +8678,55 @@
             </a:r>
             <a:r>
               <a:rPr lang="pl-PL" sz="2800" dirty="0"/>
+              <a:t> test </a:t>
+            </a:r>
+            <a:r>
+              <a:rPr lang="pl-PL" sz="2800" dirty="0" err="1"/>
+              <a:t>starts</a:t>
+            </a:r>
+            <a:r>
+              <a:rPr lang="pl-PL" sz="2800" dirty="0"/>
+              <a:t>, </a:t>
+            </a:r>
+            <a:r>
+              <a:rPr lang="pl-PL" sz="2800" dirty="0" err="1"/>
+              <a:t>there</a:t>
+            </a:r>
+            <a:r>
+              <a:rPr lang="pl-PL" sz="2800" dirty="0"/>
               <a:t> </a:t>
             </a:r>
             <a:r>
               <a:rPr lang="pl-PL" sz="2800" dirty="0" err="1"/>
+              <a:t>will</a:t>
+            </a:r>
+            <a:r>
+              <a:rPr lang="pl-PL" sz="2800" dirty="0"/>
+              <a:t> be same </a:t>
+            </a:r>
+            <a:r>
+              <a:rPr lang="pl-PL" sz="2800" dirty="0" err="1"/>
+              <a:t>practice</a:t>
+            </a:r>
+            <a:r>
+              <a:rPr lang="pl-PL" sz="2800" dirty="0"/>
+              <a:t> to </a:t>
+            </a:r>
+            <a:r>
+              <a:rPr lang="pl-PL" sz="2800" dirty="0" err="1"/>
+              <a:t>familiarize</a:t>
+            </a:r>
+            <a:r>
+              <a:rPr lang="pl-PL" sz="2800" dirty="0"/>
+              <a:t> the </a:t>
+            </a:r>
+            <a:r>
+              <a:rPr lang="pl-PL" sz="2800" dirty="0" err="1"/>
               <a:t>task</a:t>
             </a:r>
             <a:r>
               <a:rPr lang="pl-PL" sz="2800" dirty="0"/>
-              <a:t> </a:t>
-            </a:r>
-            <a:r>
-              <a:rPr lang="pl-PL" sz="2800" dirty="0" err="1"/>
-              <a:t>begins</a:t>
-            </a:r>
-            <a:r>
-              <a:rPr lang="pl-PL" sz="2800" dirty="0"/>
-              <a:t>, </a:t>
-            </a:r>
-            <a:r>
-              <a:rPr lang="pl-PL" sz="2800" dirty="0" err="1"/>
-              <a:t>you</a:t>
-            </a:r>
-            <a:r>
-              <a:rPr lang="pl-PL" sz="2800" dirty="0"/>
-              <a:t> </a:t>
-            </a:r>
-            <a:r>
-              <a:rPr lang="pl-PL" sz="2800" dirty="0" err="1"/>
-              <a:t>need</a:t>
-            </a:r>
-            <a:r>
-              <a:rPr lang="pl-PL" sz="2800" dirty="0"/>
-              <a:t> to </a:t>
-            </a:r>
-            <a:r>
-              <a:rPr lang="pl-PL" sz="2800" dirty="0" err="1"/>
-              <a:t>practice</a:t>
-            </a:r>
-            <a:r>
-              <a:rPr lang="pl-PL" sz="2800" dirty="0"/>
-              <a:t>, </a:t>
+              <a:t>.</a:t>
             </a:r>
           </a:p>
           <a:p>
@@ -8422,7 +8840,7 @@
         </p:blipFill>
         <p:spPr>
           <a:xfrm>
-            <a:off x="14919688" y="4587554"/>
+            <a:off x="16320381" y="4898450"/>
             <a:ext cx="1265192" cy="1265192"/>
           </a:xfrm>
           <a:prstGeom prst="rect">
